--- a/Documents/PrototypePresentation.pptx
+++ b/Documents/PrototypePresentation.pptx
@@ -5,17 +5,14 @@
     <p:sldMasterId id="2147483803" r:id="rId1"/>
   </p:sldMasterIdLst>
   <p:notesMasterIdLst>
-    <p:notesMasterId r:id="rId10"/>
+    <p:notesMasterId r:id="rId7"/>
   </p:notesMasterIdLst>
   <p:sldIdLst>
     <p:sldId id="256" r:id="rId2"/>
     <p:sldId id="257" r:id="rId3"/>
     <p:sldId id="259" r:id="rId4"/>
-    <p:sldId id="260" r:id="rId5"/>
-    <p:sldId id="261" r:id="rId6"/>
-    <p:sldId id="265" r:id="rId7"/>
-    <p:sldId id="266" r:id="rId8"/>
-    <p:sldId id="267" r:id="rId9"/>
+    <p:sldId id="266" r:id="rId5"/>
+    <p:sldId id="267" r:id="rId6"/>
   </p:sldIdLst>
   <p:sldSz cx="12192000" cy="6858000"/>
   <p:notesSz cx="6858000" cy="9144000"/>
@@ -122,9 +119,6 @@
             <p14:sldId id="256"/>
             <p14:sldId id="257"/>
             <p14:sldId id="259"/>
-            <p14:sldId id="260"/>
-            <p14:sldId id="261"/>
-            <p14:sldId id="265"/>
             <p14:sldId id="266"/>
             <p14:sldId id="267"/>
           </p14:sldIdLst>
@@ -8351,6 +8345,36 @@
           </a:p>
         </p:txBody>
       </p:sp>
+      <p:pic>
+        <p:nvPicPr>
+          <p:cNvPr id="4" name="Picture 3" descr="A pixelated chicken with a black background&#10;&#10;AI-generated content may be incorrect.">
+            <a:extLst>
+              <a:ext uri="{FF2B5EF4-FFF2-40B4-BE49-F238E27FC236}">
+                <a16:creationId xmlns:a16="http://schemas.microsoft.com/office/drawing/2014/main" id="{DE0CE06D-7DAB-567B-D440-C2B37D69C746}"/>
+              </a:ext>
+            </a:extLst>
+          </p:cNvPr>
+          <p:cNvPicPr>
+            <a:picLocks noChangeAspect="1"/>
+          </p:cNvPicPr>
+          <p:nvPr/>
+        </p:nvPicPr>
+        <p:blipFill>
+          <a:blip r:embed="rId5"/>
+          <a:stretch>
+            <a:fillRect/>
+          </a:stretch>
+        </p:blipFill>
+        <p:spPr>
+          <a:xfrm>
+            <a:off x="4892471" y="2684047"/>
+            <a:ext cx="1439503" cy="1457274"/>
+          </a:xfrm>
+          <a:prstGeom prst="rect">
+            <a:avLst/>
+          </a:prstGeom>
+        </p:spPr>
+      </p:pic>
     </p:spTree>
     <p:extLst>
       <p:ext uri="{BB962C8B-B14F-4D97-AF65-F5344CB8AC3E}">
@@ -8762,638 +8786,6 @@
 </file>
 
 <file path=ppt/slides/slide4.xml><?xml version="1.0" encoding="utf-8"?>
-<p:sld xmlns:a="http://schemas.openxmlformats.org/drawingml/2006/main" xmlns:r="http://schemas.openxmlformats.org/officeDocument/2006/relationships" xmlns:p="http://schemas.openxmlformats.org/presentationml/2006/main">
-  <p:cSld>
-    <p:spTree>
-      <p:nvGrpSpPr>
-        <p:cNvPr id="1" name=""/>
-        <p:cNvGrpSpPr/>
-        <p:nvPr/>
-      </p:nvGrpSpPr>
-      <p:grpSpPr>
-        <a:xfrm>
-          <a:off x="0" y="0"/>
-          <a:ext cx="0" cy="0"/>
-          <a:chOff x="0" y="0"/>
-          <a:chExt cx="0" cy="0"/>
-        </a:xfrm>
-      </p:grpSpPr>
-      <p:sp>
-        <p:nvSpPr>
-          <p:cNvPr id="2" name="Title 1">
-            <a:extLst>
-              <a:ext uri="{FF2B5EF4-FFF2-40B4-BE49-F238E27FC236}">
-                <a16:creationId xmlns:a16="http://schemas.microsoft.com/office/drawing/2014/main" id="{CD346969-908F-367F-F944-0DD6EC157D2B}"/>
-              </a:ext>
-            </a:extLst>
-          </p:cNvPr>
-          <p:cNvSpPr>
-            <a:spLocks noGrp="1"/>
-          </p:cNvSpPr>
-          <p:nvPr>
-            <p:ph type="title"/>
-          </p:nvPr>
-        </p:nvSpPr>
-        <p:spPr>
-          <a:xfrm>
-            <a:off x="280449" y="0"/>
-            <a:ext cx="10396882" cy="876693"/>
-          </a:xfrm>
-        </p:spPr>
-        <p:txBody>
-          <a:bodyPr>
-            <a:normAutofit/>
-          </a:bodyPr>
-          <a:lstStyle/>
-          <a:p>
-            <a:r>
-              <a:rPr lang="en-US" sz="4800" dirty="0"/>
-              <a:t>enemy</a:t>
-            </a:r>
-          </a:p>
-        </p:txBody>
-      </p:sp>
-      <p:pic>
-        <p:nvPicPr>
-          <p:cNvPr id="5" name="Content Placeholder 4">
-            <a:extLst>
-              <a:ext uri="{FF2B5EF4-FFF2-40B4-BE49-F238E27FC236}">
-                <a16:creationId xmlns:a16="http://schemas.microsoft.com/office/drawing/2014/main" id="{BCFBC38E-3A47-19F6-EE80-5A4E9AE76273}"/>
-              </a:ext>
-            </a:extLst>
-          </p:cNvPr>
-          <p:cNvPicPr>
-            <a:picLocks noGrp="1" noChangeAspect="1"/>
-          </p:cNvPicPr>
-          <p:nvPr>
-            <p:ph idx="1"/>
-          </p:nvPr>
-        </p:nvPicPr>
-        <p:blipFill>
-          <a:blip r:embed="rId2">
-            <a:extLst>
-              <a:ext uri="{28A0092B-C50C-407E-A947-70E740481C1C}">
-                <a14:useLocalDpi xmlns:a14="http://schemas.microsoft.com/office/drawing/2010/main" val="0"/>
-              </a:ext>
-            </a:extLst>
-          </a:blip>
-          <a:stretch>
-            <a:fillRect/>
-          </a:stretch>
-        </p:blipFill>
-        <p:spPr>
-          <a:xfrm>
-            <a:off x="1412134" y="834429"/>
-            <a:ext cx="8457730" cy="4740048"/>
-          </a:xfrm>
-        </p:spPr>
-      </p:pic>
-    </p:spTree>
-    <p:extLst>
-      <p:ext uri="{BB962C8B-B14F-4D97-AF65-F5344CB8AC3E}">
-        <p14:creationId xmlns:p14="http://schemas.microsoft.com/office/powerpoint/2010/main" val="4082065593"/>
-      </p:ext>
-    </p:extLst>
-  </p:cSld>
-  <p:clrMapOvr>
-    <a:masterClrMapping/>
-  </p:clrMapOvr>
-</p:sld>
-</file>
-
-<file path=ppt/slides/slide5.xml><?xml version="1.0" encoding="utf-8"?>
-<p:sld xmlns:a="http://schemas.openxmlformats.org/drawingml/2006/main" xmlns:r="http://schemas.openxmlformats.org/officeDocument/2006/relationships" xmlns:p="http://schemas.openxmlformats.org/presentationml/2006/main">
-  <p:cSld>
-    <p:spTree>
-      <p:nvGrpSpPr>
-        <p:cNvPr id="1" name="">
-          <a:extLst>
-            <a:ext uri="{FF2B5EF4-FFF2-40B4-BE49-F238E27FC236}">
-              <a16:creationId xmlns:a16="http://schemas.microsoft.com/office/drawing/2014/main" id="{55A59BE1-03AD-8954-1689-4AA325B6D8F2}"/>
-            </a:ext>
-          </a:extLst>
-        </p:cNvPr>
-        <p:cNvGrpSpPr/>
-        <p:nvPr/>
-      </p:nvGrpSpPr>
-      <p:grpSpPr>
-        <a:xfrm>
-          <a:off x="0" y="0"/>
-          <a:ext cx="0" cy="0"/>
-          <a:chOff x="0" y="0"/>
-          <a:chExt cx="0" cy="0"/>
-        </a:xfrm>
-      </p:grpSpPr>
-      <p:sp>
-        <p:nvSpPr>
-          <p:cNvPr id="2" name="Title 1">
-            <a:extLst>
-              <a:ext uri="{FF2B5EF4-FFF2-40B4-BE49-F238E27FC236}">
-                <a16:creationId xmlns:a16="http://schemas.microsoft.com/office/drawing/2014/main" id="{59618BF8-663A-1557-3DF3-CA60CD5BF597}"/>
-              </a:ext>
-            </a:extLst>
-          </p:cNvPr>
-          <p:cNvSpPr>
-            <a:spLocks noGrp="1"/>
-          </p:cNvSpPr>
-          <p:nvPr>
-            <p:ph type="title"/>
-          </p:nvPr>
-        </p:nvSpPr>
-        <p:spPr>
-          <a:xfrm>
-            <a:off x="280449" y="0"/>
-            <a:ext cx="10396882" cy="876693"/>
-          </a:xfrm>
-        </p:spPr>
-        <p:txBody>
-          <a:bodyPr>
-            <a:normAutofit/>
-          </a:bodyPr>
-          <a:lstStyle/>
-          <a:p>
-            <a:r>
-              <a:rPr lang="en-US" sz="4800" dirty="0"/>
-              <a:t>enemy</a:t>
-            </a:r>
-          </a:p>
-        </p:txBody>
-      </p:sp>
-      <p:pic>
-        <p:nvPicPr>
-          <p:cNvPr id="7" name="Content Placeholder 6">
-            <a:extLst>
-              <a:ext uri="{FF2B5EF4-FFF2-40B4-BE49-F238E27FC236}">
-                <a16:creationId xmlns:a16="http://schemas.microsoft.com/office/drawing/2014/main" id="{F9EA6770-164F-EBD9-6984-C2D27E718479}"/>
-              </a:ext>
-            </a:extLst>
-          </p:cNvPr>
-          <p:cNvPicPr>
-            <a:picLocks noGrp="1" noChangeAspect="1"/>
-          </p:cNvPicPr>
-          <p:nvPr>
-            <p:ph idx="1"/>
-          </p:nvPr>
-        </p:nvPicPr>
-        <p:blipFill>
-          <a:blip r:embed="rId2">
-            <a:extLst>
-              <a:ext uri="{28A0092B-C50C-407E-A947-70E740481C1C}">
-                <a14:useLocalDpi xmlns:a14="http://schemas.microsoft.com/office/drawing/2010/main" val="0"/>
-              </a:ext>
-            </a:extLst>
-          </a:blip>
-          <a:stretch>
-            <a:fillRect/>
-          </a:stretch>
-        </p:blipFill>
-        <p:spPr>
-          <a:xfrm>
-            <a:off x="1439254" y="836629"/>
-            <a:ext cx="8442607" cy="4716762"/>
-          </a:xfrm>
-        </p:spPr>
-      </p:pic>
-      <p:cxnSp>
-        <p:nvCxnSpPr>
-          <p:cNvPr id="8" name="Straight Arrow Connector 7">
-            <a:extLst>
-              <a:ext uri="{FF2B5EF4-FFF2-40B4-BE49-F238E27FC236}">
-                <a16:creationId xmlns:a16="http://schemas.microsoft.com/office/drawing/2014/main" id="{F3F55901-4A59-0D54-D625-50BEED485F88}"/>
-              </a:ext>
-            </a:extLst>
-          </p:cNvPr>
-          <p:cNvCxnSpPr>
-            <a:cxnSpLocks/>
-          </p:cNvCxnSpPr>
-          <p:nvPr/>
-        </p:nvCxnSpPr>
-        <p:spPr>
-          <a:xfrm>
-            <a:off x="3903062" y="2024405"/>
-            <a:ext cx="961169" cy="549113"/>
-          </a:xfrm>
-          <a:prstGeom prst="straightConnector1">
-            <a:avLst/>
-          </a:prstGeom>
-          <a:ln w="76200">
-            <a:tailEnd type="triangle"/>
-          </a:ln>
-        </p:spPr>
-        <p:style>
-          <a:lnRef idx="1">
-            <a:schemeClr val="accent1"/>
-          </a:lnRef>
-          <a:fillRef idx="0">
-            <a:schemeClr val="accent1"/>
-          </a:fillRef>
-          <a:effectRef idx="0">
-            <a:schemeClr val="accent1"/>
-          </a:effectRef>
-          <a:fontRef idx="minor">
-            <a:schemeClr val="tx1"/>
-          </a:fontRef>
-        </p:style>
-      </p:cxnSp>
-      <p:cxnSp>
-        <p:nvCxnSpPr>
-          <p:cNvPr id="10" name="Straight Arrow Connector 9">
-            <a:extLst>
-              <a:ext uri="{FF2B5EF4-FFF2-40B4-BE49-F238E27FC236}">
-                <a16:creationId xmlns:a16="http://schemas.microsoft.com/office/drawing/2014/main" id="{C4C9C7A9-3E19-95F0-3E3B-2EFB208C646A}"/>
-              </a:ext>
-            </a:extLst>
-          </p:cNvPr>
-          <p:cNvCxnSpPr>
-            <a:cxnSpLocks/>
-          </p:cNvCxnSpPr>
-          <p:nvPr/>
-        </p:nvCxnSpPr>
-        <p:spPr>
-          <a:xfrm flipH="1">
-            <a:off x="6628510" y="3025326"/>
-            <a:ext cx="960067" cy="0"/>
-          </a:xfrm>
-          <a:prstGeom prst="straightConnector1">
-            <a:avLst/>
-          </a:prstGeom>
-          <a:ln w="76200">
-            <a:tailEnd type="triangle"/>
-          </a:ln>
-        </p:spPr>
-        <p:style>
-          <a:lnRef idx="1">
-            <a:schemeClr val="accent1"/>
-          </a:lnRef>
-          <a:fillRef idx="0">
-            <a:schemeClr val="accent1"/>
-          </a:fillRef>
-          <a:effectRef idx="0">
-            <a:schemeClr val="accent1"/>
-          </a:effectRef>
-          <a:fontRef idx="minor">
-            <a:schemeClr val="tx1"/>
-          </a:fontRef>
-        </p:style>
-      </p:cxnSp>
-    </p:spTree>
-    <p:extLst>
-      <p:ext uri="{BB962C8B-B14F-4D97-AF65-F5344CB8AC3E}">
-        <p14:creationId xmlns:p14="http://schemas.microsoft.com/office/powerpoint/2010/main" val="2047002001"/>
-      </p:ext>
-    </p:extLst>
-  </p:cSld>
-  <p:clrMapOvr>
-    <a:masterClrMapping/>
-  </p:clrMapOvr>
-  <p:timing>
-    <p:tnLst>
-      <p:par>
-        <p:cTn id="1" dur="indefinite" restart="never" nodeType="tmRoot">
-          <p:childTnLst>
-            <p:seq concurrent="1" nextAc="seek">
-              <p:cTn id="2" dur="indefinite" nodeType="mainSeq">
-                <p:childTnLst>
-                  <p:par>
-                    <p:cTn id="3" fill="hold">
-                      <p:stCondLst>
-                        <p:cond delay="indefinite"/>
-                      </p:stCondLst>
-                      <p:childTnLst>
-                        <p:par>
-                          <p:cTn id="4" fill="hold">
-                            <p:stCondLst>
-                              <p:cond delay="0"/>
-                            </p:stCondLst>
-                            <p:childTnLst>
-                              <p:par>
-                                <p:cTn id="5" presetID="1" presetClass="entr" presetSubtype="0" fill="hold" nodeType="clickEffect">
-                                  <p:stCondLst>
-                                    <p:cond delay="0"/>
-                                  </p:stCondLst>
-                                  <p:childTnLst>
-                                    <p:set>
-                                      <p:cBhvr>
-                                        <p:cTn id="6" dur="1" fill="hold">
-                                          <p:stCondLst>
-                                            <p:cond delay="0"/>
-                                          </p:stCondLst>
-                                        </p:cTn>
-                                        <p:tgtEl>
-                                          <p:spTgt spid="8"/>
-                                        </p:tgtEl>
-                                        <p:attrNameLst>
-                                          <p:attrName>style.visibility</p:attrName>
-                                        </p:attrNameLst>
-                                      </p:cBhvr>
-                                      <p:to>
-                                        <p:strVal val="visible"/>
-                                      </p:to>
-                                    </p:set>
-                                  </p:childTnLst>
-                                </p:cTn>
-                              </p:par>
-                              <p:par>
-                                <p:cTn id="7" presetID="1" presetClass="entr" presetSubtype="0" fill="hold" nodeType="withEffect">
-                                  <p:stCondLst>
-                                    <p:cond delay="0"/>
-                                  </p:stCondLst>
-                                  <p:childTnLst>
-                                    <p:set>
-                                      <p:cBhvr>
-                                        <p:cTn id="8" dur="1" fill="hold">
-                                          <p:stCondLst>
-                                            <p:cond delay="0"/>
-                                          </p:stCondLst>
-                                        </p:cTn>
-                                        <p:tgtEl>
-                                          <p:spTgt spid="10"/>
-                                        </p:tgtEl>
-                                        <p:attrNameLst>
-                                          <p:attrName>style.visibility</p:attrName>
-                                        </p:attrNameLst>
-                                      </p:cBhvr>
-                                      <p:to>
-                                        <p:strVal val="visible"/>
-                                      </p:to>
-                                    </p:set>
-                                  </p:childTnLst>
-                                </p:cTn>
-                              </p:par>
-                            </p:childTnLst>
-                          </p:cTn>
-                        </p:par>
-                      </p:childTnLst>
-                    </p:cTn>
-                  </p:par>
-                </p:childTnLst>
-              </p:cTn>
-              <p:prevCondLst>
-                <p:cond evt="onPrev" delay="0">
-                  <p:tgtEl>
-                    <p:sldTgt/>
-                  </p:tgtEl>
-                </p:cond>
-              </p:prevCondLst>
-              <p:nextCondLst>
-                <p:cond evt="onNext" delay="0">
-                  <p:tgtEl>
-                    <p:sldTgt/>
-                  </p:tgtEl>
-                </p:cond>
-              </p:nextCondLst>
-            </p:seq>
-          </p:childTnLst>
-        </p:cTn>
-      </p:par>
-    </p:tnLst>
-  </p:timing>
-</p:sld>
-</file>
-
-<file path=ppt/slides/slide6.xml><?xml version="1.0" encoding="utf-8"?>
-<p:sld xmlns:a="http://schemas.openxmlformats.org/drawingml/2006/main" xmlns:r="http://schemas.openxmlformats.org/officeDocument/2006/relationships" xmlns:p="http://schemas.openxmlformats.org/presentationml/2006/main">
-  <p:cSld>
-    <p:spTree>
-      <p:nvGrpSpPr>
-        <p:cNvPr id="1" name="">
-          <a:extLst>
-            <a:ext uri="{FF2B5EF4-FFF2-40B4-BE49-F238E27FC236}">
-              <a16:creationId xmlns:a16="http://schemas.microsoft.com/office/drawing/2014/main" id="{86ADB1A4-429D-7702-393B-0223738326E0}"/>
-            </a:ext>
-          </a:extLst>
-        </p:cNvPr>
-        <p:cNvGrpSpPr/>
-        <p:nvPr/>
-      </p:nvGrpSpPr>
-      <p:grpSpPr>
-        <a:xfrm>
-          <a:off x="0" y="0"/>
-          <a:ext cx="0" cy="0"/>
-          <a:chOff x="0" y="0"/>
-          <a:chExt cx="0" cy="0"/>
-        </a:xfrm>
-      </p:grpSpPr>
-      <p:sp>
-        <p:nvSpPr>
-          <p:cNvPr id="2" name="Title 1">
-            <a:extLst>
-              <a:ext uri="{FF2B5EF4-FFF2-40B4-BE49-F238E27FC236}">
-                <a16:creationId xmlns:a16="http://schemas.microsoft.com/office/drawing/2014/main" id="{F8DB4934-3792-4D94-DA38-6A5ACBDFEA2C}"/>
-              </a:ext>
-            </a:extLst>
-          </p:cNvPr>
-          <p:cNvSpPr>
-            <a:spLocks noGrp="1"/>
-          </p:cNvSpPr>
-          <p:nvPr>
-            <p:ph type="title"/>
-          </p:nvPr>
-        </p:nvSpPr>
-        <p:spPr>
-          <a:xfrm>
-            <a:off x="280449" y="0"/>
-            <a:ext cx="10396882" cy="876693"/>
-          </a:xfrm>
-        </p:spPr>
-        <p:txBody>
-          <a:bodyPr>
-            <a:normAutofit/>
-          </a:bodyPr>
-          <a:lstStyle/>
-          <a:p>
-            <a:r>
-              <a:rPr lang="en-US" sz="4800" dirty="0"/>
-              <a:t>Game flow</a:t>
-            </a:r>
-          </a:p>
-        </p:txBody>
-      </p:sp>
-      <p:pic>
-        <p:nvPicPr>
-          <p:cNvPr id="3" name="gameflow">
-            <a:hlinkClick r:id="" action="ppaction://media"/>
-            <a:extLst>
-              <a:ext uri="{FF2B5EF4-FFF2-40B4-BE49-F238E27FC236}">
-                <a16:creationId xmlns:a16="http://schemas.microsoft.com/office/drawing/2014/main" id="{2EC76061-11E2-67A0-95FD-F668F90FDDD4}"/>
-              </a:ext>
-            </a:extLst>
-          </p:cNvPr>
-          <p:cNvPicPr>
-            <a:picLocks noGrp="1" noChangeAspect="1"/>
-          </p:cNvPicPr>
-          <p:nvPr>
-            <p:ph idx="1"/>
-            <a:videoFile r:link="rId2"/>
-            <p:extLst>
-              <p:ext uri="{DAA4B4D4-6D71-4841-9C94-3DE7FCFB9230}">
-                <p14:media xmlns:p14="http://schemas.microsoft.com/office/powerpoint/2010/main" r:embed="rId1"/>
-              </p:ext>
-            </p:extLst>
-          </p:nvPr>
-        </p:nvPicPr>
-        <p:blipFill>
-          <a:blip r:embed="rId4"/>
-          <a:stretch>
-            <a:fillRect/>
-          </a:stretch>
-        </p:blipFill>
-        <p:spPr>
-          <a:xfrm>
-            <a:off x="1514669" y="791852"/>
-            <a:ext cx="8515302" cy="4754529"/>
-          </a:xfrm>
-        </p:spPr>
-      </p:pic>
-    </p:spTree>
-    <p:extLst>
-      <p:ext uri="{BB962C8B-B14F-4D97-AF65-F5344CB8AC3E}">
-        <p14:creationId xmlns:p14="http://schemas.microsoft.com/office/powerpoint/2010/main" val="368927474"/>
-      </p:ext>
-    </p:extLst>
-  </p:cSld>
-  <p:clrMapOvr>
-    <a:masterClrMapping/>
-  </p:clrMapOvr>
-  <p:timing>
-    <p:tnLst>
-      <p:par>
-        <p:cTn id="1" dur="indefinite" restart="never" nodeType="tmRoot">
-          <p:childTnLst>
-            <p:seq concurrent="1" nextAc="seek">
-              <p:cTn id="2" dur="indefinite" nodeType="mainSeq">
-                <p:childTnLst>
-                  <p:par>
-                    <p:cTn id="3" fill="hold">
-                      <p:stCondLst>
-                        <p:cond delay="indefinite"/>
-                      </p:stCondLst>
-                      <p:childTnLst>
-                        <p:par>
-                          <p:cTn id="4" fill="hold">
-                            <p:stCondLst>
-                              <p:cond delay="0"/>
-                            </p:stCondLst>
-                            <p:childTnLst>
-                              <p:par>
-                                <p:cTn id="5" presetID="1" presetClass="mediacall" presetSubtype="0" fill="hold" nodeType="clickEffect">
-                                  <p:stCondLst>
-                                    <p:cond delay="0"/>
-                                  </p:stCondLst>
-                                  <p:childTnLst>
-                                    <p:cmd type="call" cmd="playFrom(0.0)">
-                                      <p:cBhvr>
-                                        <p:cTn id="6" dur="21000" fill="hold"/>
-                                        <p:tgtEl>
-                                          <p:spTgt spid="3"/>
-                                        </p:tgtEl>
-                                      </p:cBhvr>
-                                    </p:cmd>
-                                  </p:childTnLst>
-                                </p:cTn>
-                              </p:par>
-                            </p:childTnLst>
-                          </p:cTn>
-                        </p:par>
-                      </p:childTnLst>
-                    </p:cTn>
-                  </p:par>
-                </p:childTnLst>
-              </p:cTn>
-              <p:prevCondLst>
-                <p:cond evt="onPrev" delay="0">
-                  <p:tgtEl>
-                    <p:sldTgt/>
-                  </p:tgtEl>
-                </p:cond>
-              </p:prevCondLst>
-              <p:nextCondLst>
-                <p:cond evt="onNext" delay="0">
-                  <p:tgtEl>
-                    <p:sldTgt/>
-                  </p:tgtEl>
-                </p:cond>
-              </p:nextCondLst>
-            </p:seq>
-            <p:video>
-              <p:cMediaNode vol="80000">
-                <p:cTn id="7" fill="hold" display="0">
-                  <p:stCondLst>
-                    <p:cond delay="indefinite"/>
-                  </p:stCondLst>
-                </p:cTn>
-                <p:tgtEl>
-                  <p:spTgt spid="3"/>
-                </p:tgtEl>
-              </p:cMediaNode>
-            </p:video>
-            <p:seq concurrent="1" nextAc="seek">
-              <p:cTn id="8" restart="whenNotActive" fill="hold" evtFilter="cancelBubble" nodeType="interactiveSeq">
-                <p:stCondLst>
-                  <p:cond evt="onClick" delay="0">
-                    <p:tgtEl>
-                      <p:spTgt spid="3"/>
-                    </p:tgtEl>
-                  </p:cond>
-                </p:stCondLst>
-                <p:endSync evt="end" delay="0">
-                  <p:rtn val="all"/>
-                </p:endSync>
-                <p:childTnLst>
-                  <p:par>
-                    <p:cTn id="9" fill="hold">
-                      <p:stCondLst>
-                        <p:cond delay="0"/>
-                      </p:stCondLst>
-                      <p:childTnLst>
-                        <p:par>
-                          <p:cTn id="10" fill="hold">
-                            <p:stCondLst>
-                              <p:cond delay="0"/>
-                            </p:stCondLst>
-                            <p:childTnLst>
-                              <p:par>
-                                <p:cTn id="11" presetID="2" presetClass="mediacall" presetSubtype="0" fill="hold" nodeType="clickEffect">
-                                  <p:stCondLst>
-                                    <p:cond delay="0"/>
-                                  </p:stCondLst>
-                                  <p:childTnLst>
-                                    <p:cmd type="call" cmd="togglePause">
-                                      <p:cBhvr>
-                                        <p:cTn id="12" dur="1" fill="hold"/>
-                                        <p:tgtEl>
-                                          <p:spTgt spid="3"/>
-                                        </p:tgtEl>
-                                      </p:cBhvr>
-                                    </p:cmd>
-                                  </p:childTnLst>
-                                </p:cTn>
-                              </p:par>
-                            </p:childTnLst>
-                          </p:cTn>
-                        </p:par>
-                      </p:childTnLst>
-                    </p:cTn>
-                  </p:par>
-                </p:childTnLst>
-              </p:cTn>
-              <p:nextCondLst>
-                <p:cond evt="onClick" delay="0">
-                  <p:tgtEl>
-                    <p:spTgt spid="3"/>
-                  </p:tgtEl>
-                </p:cond>
-              </p:nextCondLst>
-            </p:seq>
-          </p:childTnLst>
-        </p:cTn>
-      </p:par>
-    </p:tnLst>
-  </p:timing>
-</p:sld>
-</file>
-
-<file path=ppt/slides/slide7.xml><?xml version="1.0" encoding="utf-8"?>
 <p:sld xmlns:a="http://schemas.openxmlformats.org/drawingml/2006/main" xmlns:r="http://schemas.openxmlformats.org/officeDocument/2006/relationships" xmlns:p="http://schemas.openxmlformats.org/presentationml/2006/main">
   <p:cSld>
     <p:spTree>
@@ -10728,7 +10120,7 @@
 </p:sld>
 </file>
 
-<file path=ppt/slides/slide8.xml><?xml version="1.0" encoding="utf-8"?>
+<file path=ppt/slides/slide5.xml><?xml version="1.0" encoding="utf-8"?>
 <p:sld xmlns:a="http://schemas.openxmlformats.org/drawingml/2006/main" xmlns:r="http://schemas.openxmlformats.org/officeDocument/2006/relationships" xmlns:p="http://schemas.openxmlformats.org/presentationml/2006/main">
   <p:cSld>
     <p:spTree>

--- a/Documents/PrototypePresentation.pptx
+++ b/Documents/PrototypePresentation.pptx
@@ -5,14 +5,21 @@
     <p:sldMasterId id="2147483803" r:id="rId1"/>
   </p:sldMasterIdLst>
   <p:notesMasterIdLst>
-    <p:notesMasterId r:id="rId7"/>
+    <p:notesMasterId r:id="rId14"/>
   </p:notesMasterIdLst>
   <p:sldIdLst>
     <p:sldId id="256" r:id="rId2"/>
     <p:sldId id="257" r:id="rId3"/>
     <p:sldId id="259" r:id="rId4"/>
-    <p:sldId id="266" r:id="rId5"/>
-    <p:sldId id="267" r:id="rId6"/>
+    <p:sldId id="268" r:id="rId5"/>
+    <p:sldId id="269" r:id="rId6"/>
+    <p:sldId id="270" r:id="rId7"/>
+    <p:sldId id="271" r:id="rId8"/>
+    <p:sldId id="272" r:id="rId9"/>
+    <p:sldId id="273" r:id="rId10"/>
+    <p:sldId id="274" r:id="rId11"/>
+    <p:sldId id="275" r:id="rId12"/>
+    <p:sldId id="267" r:id="rId13"/>
   </p:sldIdLst>
   <p:sldSz cx="12192000" cy="6858000"/>
   <p:notesSz cx="6858000" cy="9144000"/>
@@ -119,7 +126,14 @@
             <p14:sldId id="256"/>
             <p14:sldId id="257"/>
             <p14:sldId id="259"/>
-            <p14:sldId id="266"/>
+            <p14:sldId id="268"/>
+            <p14:sldId id="269"/>
+            <p14:sldId id="270"/>
+            <p14:sldId id="271"/>
+            <p14:sldId id="272"/>
+            <p14:sldId id="273"/>
+            <p14:sldId id="274"/>
+            <p14:sldId id="275"/>
             <p14:sldId id="267"/>
           </p14:sldIdLst>
         </p14:section>
@@ -214,7 +228,7 @@
           <a:p>
             <a:fld id="{3F93C369-509D-4CDB-B89C-99E8738142B5}" type="datetimeFigureOut">
               <a:rPr lang="en-US" smtClean="0"/>
-              <a:t>2/16/2025</a:t>
+              <a:t>2/17/2025</a:t>
             </a:fld>
             <a:endParaRPr lang="en-US"/>
           </a:p>
@@ -1201,7 +1215,7 @@
           <a:p>
             <a:fld id="{25A8E683-EFAE-4476-82D8-9E80BBED733E}" type="datetimeFigureOut">
               <a:rPr lang="en-US" smtClean="0"/>
-              <a:t>2/16/2025</a:t>
+              <a:t>2/17/2025</a:t>
             </a:fld>
             <a:endParaRPr lang="en-US"/>
           </a:p>
@@ -1533,7 +1547,7 @@
           <a:p>
             <a:fld id="{25A8E683-EFAE-4476-82D8-9E80BBED733E}" type="datetimeFigureOut">
               <a:rPr lang="en-US" smtClean="0"/>
-              <a:t>2/16/2025</a:t>
+              <a:t>2/17/2025</a:t>
             </a:fld>
             <a:endParaRPr lang="en-US"/>
           </a:p>
@@ -1729,7 +1743,7 @@
           <a:p>
             <a:fld id="{25A8E683-EFAE-4476-82D8-9E80BBED733E}" type="datetimeFigureOut">
               <a:rPr lang="en-US" smtClean="0"/>
-              <a:t>2/16/2025</a:t>
+              <a:t>2/17/2025</a:t>
             </a:fld>
             <a:endParaRPr lang="en-US"/>
           </a:p>
@@ -1999,7 +2013,7 @@
           <a:p>
             <a:fld id="{25A8E683-EFAE-4476-82D8-9E80BBED733E}" type="datetimeFigureOut">
               <a:rPr lang="en-US" smtClean="0"/>
-              <a:t>2/16/2025</a:t>
+              <a:t>2/17/2025</a:t>
             </a:fld>
             <a:endParaRPr lang="en-US"/>
           </a:p>
@@ -2427,7 +2441,7 @@
           <a:p>
             <a:fld id="{25A8E683-EFAE-4476-82D8-9E80BBED733E}" type="datetimeFigureOut">
               <a:rPr lang="en-US" smtClean="0"/>
-              <a:t>2/16/2025</a:t>
+              <a:t>2/17/2025</a:t>
             </a:fld>
             <a:endParaRPr lang="en-US"/>
           </a:p>
@@ -2977,7 +2991,7 @@
           <a:p>
             <a:fld id="{25A8E683-EFAE-4476-82D8-9E80BBED733E}" type="datetimeFigureOut">
               <a:rPr lang="en-US" smtClean="0"/>
-              <a:t>2/16/2025</a:t>
+              <a:t>2/17/2025</a:t>
             </a:fld>
             <a:endParaRPr lang="en-US"/>
           </a:p>
@@ -3767,7 +3781,7 @@
           <a:p>
             <a:fld id="{25A8E683-EFAE-4476-82D8-9E80BBED733E}" type="datetimeFigureOut">
               <a:rPr lang="en-US" smtClean="0"/>
-              <a:t>2/16/2025</a:t>
+              <a:t>2/17/2025</a:t>
             </a:fld>
             <a:endParaRPr lang="en-US"/>
           </a:p>
@@ -3946,7 +3960,7 @@
           <a:p>
             <a:fld id="{25A8E683-EFAE-4476-82D8-9E80BBED733E}" type="datetimeFigureOut">
               <a:rPr lang="en-US" smtClean="0"/>
-              <a:t>2/16/2025</a:t>
+              <a:t>2/17/2025</a:t>
             </a:fld>
             <a:endParaRPr lang="en-US"/>
           </a:p>
@@ -4130,7 +4144,7 @@
           <a:p>
             <a:fld id="{25A8E683-EFAE-4476-82D8-9E80BBED733E}" type="datetimeFigureOut">
               <a:rPr lang="en-US" smtClean="0"/>
-              <a:t>2/16/2025</a:t>
+              <a:t>2/17/2025</a:t>
             </a:fld>
             <a:endParaRPr lang="en-US"/>
           </a:p>
@@ -4300,7 +4314,7 @@
           <a:p>
             <a:fld id="{25A8E683-EFAE-4476-82D8-9E80BBED733E}" type="datetimeFigureOut">
               <a:rPr lang="en-US" smtClean="0"/>
-              <a:t>2/16/2025</a:t>
+              <a:t>2/17/2025</a:t>
             </a:fld>
             <a:endParaRPr lang="en-US"/>
           </a:p>
@@ -4475,7 +4489,7 @@
           <a:p>
             <a:fld id="{25A8E683-EFAE-4476-82D8-9E80BBED733E}" type="datetimeFigureOut">
               <a:rPr lang="en-US" smtClean="0"/>
-              <a:t>2/16/2025</a:t>
+              <a:t>2/17/2025</a:t>
             </a:fld>
             <a:endParaRPr lang="en-US"/>
           </a:p>
@@ -4725,7 +4739,7 @@
           <a:p>
             <a:fld id="{25A8E683-EFAE-4476-82D8-9E80BBED733E}" type="datetimeFigureOut">
               <a:rPr lang="en-US" smtClean="0"/>
-              <a:t>2/16/2025</a:t>
+              <a:t>2/17/2025</a:t>
             </a:fld>
             <a:endParaRPr lang="en-US"/>
           </a:p>
@@ -4962,7 +4976,7 @@
           <a:p>
             <a:fld id="{25A8E683-EFAE-4476-82D8-9E80BBED733E}" type="datetimeFigureOut">
               <a:rPr lang="en-US" smtClean="0"/>
-              <a:t>2/16/2025</a:t>
+              <a:t>2/17/2025</a:t>
             </a:fld>
             <a:endParaRPr lang="en-US"/>
           </a:p>
@@ -5347,7 +5361,7 @@
           <a:p>
             <a:fld id="{25A8E683-EFAE-4476-82D8-9E80BBED733E}" type="datetimeFigureOut">
               <a:rPr lang="en-US" smtClean="0"/>
-              <a:t>2/16/2025</a:t>
+              <a:t>2/17/2025</a:t>
             </a:fld>
             <a:endParaRPr lang="en-US"/>
           </a:p>
@@ -5465,7 +5479,7 @@
           <a:p>
             <a:fld id="{25A8E683-EFAE-4476-82D8-9E80BBED733E}" type="datetimeFigureOut">
               <a:rPr lang="en-US" smtClean="0"/>
-              <a:t>2/16/2025</a:t>
+              <a:t>2/17/2025</a:t>
             </a:fld>
             <a:endParaRPr lang="en-US"/>
           </a:p>
@@ -5560,7 +5574,7 @@
           <a:p>
             <a:fld id="{25A8E683-EFAE-4476-82D8-9E80BBED733E}" type="datetimeFigureOut">
               <a:rPr lang="en-US" smtClean="0"/>
-              <a:t>2/16/2025</a:t>
+              <a:t>2/17/2025</a:t>
             </a:fld>
             <a:endParaRPr lang="en-US"/>
           </a:p>
@@ -5813,7 +5827,7 @@
           <a:p>
             <a:fld id="{25A8E683-EFAE-4476-82D8-9E80BBED733E}" type="datetimeFigureOut">
               <a:rPr lang="en-US" smtClean="0"/>
-              <a:t>2/16/2025</a:t>
+              <a:t>2/17/2025</a:t>
             </a:fld>
             <a:endParaRPr lang="en-US"/>
           </a:p>
@@ -6082,7 +6096,7 @@
           <a:p>
             <a:fld id="{25A8E683-EFAE-4476-82D8-9E80BBED733E}" type="datetimeFigureOut">
               <a:rPr lang="en-US" smtClean="0"/>
-              <a:t>2/16/2025</a:t>
+              <a:t>2/17/2025</a:t>
             </a:fld>
             <a:endParaRPr lang="en-US"/>
           </a:p>
@@ -6485,7 +6499,7 @@
           <a:p>
             <a:fld id="{25A8E683-EFAE-4476-82D8-9E80BBED733E}" type="datetimeFigureOut">
               <a:rPr lang="en-US" smtClean="0"/>
-              <a:t>2/16/2025</a:t>
+              <a:t>2/17/2025</a:t>
             </a:fld>
             <a:endParaRPr lang="en-US"/>
           </a:p>
@@ -7738,6 +7752,476 @@
       <p:bldP spid="37" grpId="0" animBg="1"/>
       <p:bldP spid="38" grpId="0" animBg="1"/>
     </p:bldLst>
+  </p:timing>
+</p:sld>
+</file>
+
+<file path=ppt/slides/slide10.xml><?xml version="1.0" encoding="utf-8"?>
+<p:sld xmlns:a="http://schemas.openxmlformats.org/drawingml/2006/main" xmlns:r="http://schemas.openxmlformats.org/officeDocument/2006/relationships" xmlns:p="http://schemas.openxmlformats.org/presentationml/2006/main">
+  <p:cSld>
+    <p:spTree>
+      <p:nvGrpSpPr>
+        <p:cNvPr id="1" name="">
+          <a:extLst>
+            <a:ext uri="{FF2B5EF4-FFF2-40B4-BE49-F238E27FC236}">
+              <a16:creationId xmlns:a16="http://schemas.microsoft.com/office/drawing/2014/main" id="{2D966CCB-4B12-05BB-1EE8-D800627C741F}"/>
+            </a:ext>
+          </a:extLst>
+        </p:cNvPr>
+        <p:cNvGrpSpPr/>
+        <p:nvPr/>
+      </p:nvGrpSpPr>
+      <p:grpSpPr>
+        <a:xfrm>
+          <a:off x="0" y="0"/>
+          <a:ext cx="0" cy="0"/>
+          <a:chOff x="0" y="0"/>
+          <a:chExt cx="0" cy="0"/>
+        </a:xfrm>
+      </p:grpSpPr>
+      <p:sp>
+        <p:nvSpPr>
+          <p:cNvPr id="2" name="Title 1">
+            <a:extLst>
+              <a:ext uri="{FF2B5EF4-FFF2-40B4-BE49-F238E27FC236}">
+                <a16:creationId xmlns:a16="http://schemas.microsoft.com/office/drawing/2014/main" id="{49A13F12-551A-4DB4-7D45-B4F4130D4CCB}"/>
+              </a:ext>
+            </a:extLst>
+          </p:cNvPr>
+          <p:cNvSpPr>
+            <a:spLocks noGrp="1"/>
+          </p:cNvSpPr>
+          <p:nvPr>
+            <p:ph type="title"/>
+          </p:nvPr>
+        </p:nvSpPr>
+        <p:spPr/>
+        <p:txBody>
+          <a:bodyPr/>
+          <a:lstStyle/>
+          <a:p>
+            <a:endParaRPr lang="en-US"/>
+          </a:p>
+        </p:txBody>
+      </p:sp>
+      <p:sp>
+        <p:nvSpPr>
+          <p:cNvPr id="3" name="Content Placeholder 2">
+            <a:extLst>
+              <a:ext uri="{FF2B5EF4-FFF2-40B4-BE49-F238E27FC236}">
+                <a16:creationId xmlns:a16="http://schemas.microsoft.com/office/drawing/2014/main" id="{DD9627E4-615D-3A97-EF4E-B5AAC1DC34F9}"/>
+              </a:ext>
+            </a:extLst>
+          </p:cNvPr>
+          <p:cNvSpPr>
+            <a:spLocks noGrp="1"/>
+          </p:cNvSpPr>
+          <p:nvPr>
+            <p:ph idx="1"/>
+          </p:nvPr>
+        </p:nvSpPr>
+        <p:spPr/>
+        <p:txBody>
+          <a:bodyPr/>
+          <a:lstStyle/>
+          <a:p>
+            <a:endParaRPr lang="en-US" dirty="0"/>
+          </a:p>
+        </p:txBody>
+      </p:sp>
+      <p:sp>
+        <p:nvSpPr>
+          <p:cNvPr id="4" name="Title 1">
+            <a:extLst>
+              <a:ext uri="{FF2B5EF4-FFF2-40B4-BE49-F238E27FC236}">
+                <a16:creationId xmlns:a16="http://schemas.microsoft.com/office/drawing/2014/main" id="{05C116A8-3E79-F725-BA99-690486FA43CF}"/>
+              </a:ext>
+            </a:extLst>
+          </p:cNvPr>
+          <p:cNvSpPr txBox="1">
+            <a:spLocks/>
+          </p:cNvSpPr>
+          <p:nvPr/>
+        </p:nvSpPr>
+        <p:spPr>
+          <a:xfrm>
+            <a:off x="2625212" y="2573594"/>
+            <a:ext cx="8642555" cy="855406"/>
+          </a:xfrm>
+          <a:prstGeom prst="rect">
+            <a:avLst/>
+          </a:prstGeom>
+        </p:spPr>
+        <p:txBody>
+          <a:bodyPr vert="horz" lIns="91440" tIns="45720" rIns="91440" bIns="45720" rtlCol="0" anchor="ctr">
+            <a:noAutofit/>
+          </a:bodyPr>
+          <a:lstStyle>
+            <a:lvl1pPr algn="l" defTabSz="914400" rtl="0" eaLnBrk="1" latinLnBrk="0" hangingPunct="1">
+              <a:lnSpc>
+                <a:spcPct val="90000"/>
+              </a:lnSpc>
+              <a:spcBef>
+                <a:spcPct val="0"/>
+              </a:spcBef>
+              <a:buNone/>
+              <a:defRPr sz="5400" kern="1200" cap="all" baseline="0">
+                <a:solidFill>
+                  <a:schemeClr val="accent1"/>
+                </a:solidFill>
+                <a:effectLst/>
+                <a:latin typeface="+mj-lt"/>
+                <a:ea typeface="+mj-ea"/>
+                <a:cs typeface="+mj-cs"/>
+              </a:defRPr>
+            </a:lvl1pPr>
+          </a:lstStyle>
+          <a:p>
+            <a:r>
+              <a:rPr lang="en-US" sz="6000" dirty="0"/>
+              <a:t>Animation for </a:t>
+            </a:r>
+            <a:r>
+              <a:rPr lang="en-US" sz="6000" dirty="0" err="1"/>
+              <a:t>keepinbound</a:t>
+            </a:r>
+            <a:r>
+              <a:rPr lang="en-US" sz="6000" dirty="0"/>
+              <a:t> function</a:t>
+            </a:r>
+          </a:p>
+        </p:txBody>
+      </p:sp>
+    </p:spTree>
+    <p:extLst>
+      <p:ext uri="{BB962C8B-B14F-4D97-AF65-F5344CB8AC3E}">
+        <p14:creationId xmlns:p14="http://schemas.microsoft.com/office/powerpoint/2010/main" val="2012310718"/>
+      </p:ext>
+    </p:extLst>
+  </p:cSld>
+  <p:clrMapOvr>
+    <a:masterClrMapping/>
+  </p:clrMapOvr>
+</p:sld>
+</file>
+
+<file path=ppt/slides/slide11.xml><?xml version="1.0" encoding="utf-8"?>
+<p:sld xmlns:a="http://schemas.openxmlformats.org/drawingml/2006/main" xmlns:r="http://schemas.openxmlformats.org/officeDocument/2006/relationships" xmlns:p="http://schemas.openxmlformats.org/presentationml/2006/main">
+  <p:cSld>
+    <p:spTree>
+      <p:nvGrpSpPr>
+        <p:cNvPr id="1" name=""/>
+        <p:cNvGrpSpPr/>
+        <p:nvPr/>
+      </p:nvGrpSpPr>
+      <p:grpSpPr>
+        <a:xfrm>
+          <a:off x="0" y="0"/>
+          <a:ext cx="0" cy="0"/>
+          <a:chOff x="0" y="0"/>
+          <a:chExt cx="0" cy="0"/>
+        </a:xfrm>
+      </p:grpSpPr>
+      <p:sp>
+        <p:nvSpPr>
+          <p:cNvPr id="2" name="Title 1">
+            <a:extLst>
+              <a:ext uri="{FF2B5EF4-FFF2-40B4-BE49-F238E27FC236}">
+                <a16:creationId xmlns:a16="http://schemas.microsoft.com/office/drawing/2014/main" id="{A007C03E-8D0E-942E-3465-30D1E27B3372}"/>
+              </a:ext>
+            </a:extLst>
+          </p:cNvPr>
+          <p:cNvSpPr>
+            <a:spLocks noGrp="1"/>
+          </p:cNvSpPr>
+          <p:nvPr>
+            <p:ph type="title"/>
+          </p:nvPr>
+        </p:nvSpPr>
+        <p:spPr/>
+        <p:txBody>
+          <a:bodyPr/>
+          <a:lstStyle/>
+          <a:p>
+            <a:endParaRPr lang="en-US"/>
+          </a:p>
+        </p:txBody>
+      </p:sp>
+      <p:pic>
+        <p:nvPicPr>
+          <p:cNvPr id="5" name="Content Placeholder 4" descr="A screen shot of a computer program&#10;&#10;AI-generated content may be incorrect.">
+            <a:extLst>
+              <a:ext uri="{FF2B5EF4-FFF2-40B4-BE49-F238E27FC236}">
+                <a16:creationId xmlns:a16="http://schemas.microsoft.com/office/drawing/2014/main" id="{76F797E2-3CAA-549B-7D4F-8FDF42668FD3}"/>
+              </a:ext>
+            </a:extLst>
+          </p:cNvPr>
+          <p:cNvPicPr>
+            <a:picLocks noGrp="1" noChangeAspect="1"/>
+          </p:cNvPicPr>
+          <p:nvPr>
+            <p:ph idx="1"/>
+          </p:nvPr>
+        </p:nvPicPr>
+        <p:blipFill>
+          <a:blip r:embed="rId2">
+            <a:extLst>
+              <a:ext uri="{28A0092B-C50C-407E-A947-70E740481C1C}">
+                <a14:useLocalDpi xmlns:a14="http://schemas.microsoft.com/office/drawing/2010/main" val="0"/>
+              </a:ext>
+            </a:extLst>
+          </a:blip>
+          <a:stretch>
+            <a:fillRect/>
+          </a:stretch>
+        </p:blipFill>
+        <p:spPr>
+          <a:xfrm>
+            <a:off x="609600" y="0"/>
+            <a:ext cx="10744818" cy="5594555"/>
+          </a:xfrm>
+        </p:spPr>
+      </p:pic>
+    </p:spTree>
+    <p:extLst>
+      <p:ext uri="{BB962C8B-B14F-4D97-AF65-F5344CB8AC3E}">
+        <p14:creationId xmlns:p14="http://schemas.microsoft.com/office/powerpoint/2010/main" val="1556586466"/>
+      </p:ext>
+    </p:extLst>
+  </p:cSld>
+  <p:clrMapOvr>
+    <a:masterClrMapping/>
+  </p:clrMapOvr>
+</p:sld>
+</file>
+
+<file path=ppt/slides/slide12.xml><?xml version="1.0" encoding="utf-8"?>
+<p:sld xmlns:a="http://schemas.openxmlformats.org/drawingml/2006/main" xmlns:r="http://schemas.openxmlformats.org/officeDocument/2006/relationships" xmlns:p="http://schemas.openxmlformats.org/presentationml/2006/main">
+  <p:cSld>
+    <p:spTree>
+      <p:nvGrpSpPr>
+        <p:cNvPr id="1" name=""/>
+        <p:cNvGrpSpPr/>
+        <p:nvPr/>
+      </p:nvGrpSpPr>
+      <p:grpSpPr>
+        <a:xfrm>
+          <a:off x="0" y="0"/>
+          <a:ext cx="0" cy="0"/>
+          <a:chOff x="0" y="0"/>
+          <a:chExt cx="0" cy="0"/>
+        </a:xfrm>
+      </p:grpSpPr>
+      <p:sp>
+        <p:nvSpPr>
+          <p:cNvPr id="2" name="Title 1">
+            <a:extLst>
+              <a:ext uri="{FF2B5EF4-FFF2-40B4-BE49-F238E27FC236}">
+                <a16:creationId xmlns:a16="http://schemas.microsoft.com/office/drawing/2014/main" id="{BBCB569E-668C-0497-42F8-40B09ACD06BB}"/>
+              </a:ext>
+            </a:extLst>
+          </p:cNvPr>
+          <p:cNvSpPr>
+            <a:spLocks noGrp="1"/>
+          </p:cNvSpPr>
+          <p:nvPr>
+            <p:ph type="title"/>
+          </p:nvPr>
+        </p:nvSpPr>
+        <p:spPr/>
+        <p:txBody>
+          <a:bodyPr>
+            <a:noAutofit/>
+          </a:bodyPr>
+          <a:lstStyle/>
+          <a:p>
+            <a:pPr algn="ctr"/>
+            <a:r>
+              <a:rPr lang="en-US" sz="9600" dirty="0"/>
+              <a:t>Thank you</a:t>
+            </a:r>
+          </a:p>
+        </p:txBody>
+      </p:sp>
+      <p:pic>
+        <p:nvPicPr>
+          <p:cNvPr id="7" name="Content Placeholder 6">
+            <a:extLst>
+              <a:ext uri="{FF2B5EF4-FFF2-40B4-BE49-F238E27FC236}">
+                <a16:creationId xmlns:a16="http://schemas.microsoft.com/office/drawing/2014/main" id="{E4332A7A-C83D-6939-0F2F-2DCCF3E04ECE}"/>
+              </a:ext>
+            </a:extLst>
+          </p:cNvPr>
+          <p:cNvPicPr>
+            <a:picLocks noGrp="1" noChangeAspect="1"/>
+          </p:cNvPicPr>
+          <p:nvPr>
+            <p:ph idx="1"/>
+          </p:nvPr>
+        </p:nvPicPr>
+        <p:blipFill>
+          <a:blip r:embed="rId2">
+            <a:extLst>
+              <a:ext uri="{28A0092B-C50C-407E-A947-70E740481C1C}">
+                <a14:useLocalDpi xmlns:a14="http://schemas.microsoft.com/office/drawing/2010/main" val="0"/>
+              </a:ext>
+            </a:extLst>
+          </a:blip>
+          <a:stretch>
+            <a:fillRect/>
+          </a:stretch>
+        </p:blipFill>
+        <p:spPr>
+          <a:xfrm>
+            <a:off x="2940491" y="2063750"/>
+            <a:ext cx="5887155" cy="3311525"/>
+          </a:xfrm>
+        </p:spPr>
+      </p:pic>
+    </p:spTree>
+    <p:extLst>
+      <p:ext uri="{BB962C8B-B14F-4D97-AF65-F5344CB8AC3E}">
+        <p14:creationId xmlns:p14="http://schemas.microsoft.com/office/powerpoint/2010/main" val="2185000735"/>
+      </p:ext>
+    </p:extLst>
+  </p:cSld>
+  <p:clrMapOvr>
+    <a:masterClrMapping/>
+  </p:clrMapOvr>
+  <p:timing>
+    <p:tnLst>
+      <p:par>
+        <p:cTn id="1" dur="indefinite" restart="never" nodeType="tmRoot">
+          <p:childTnLst>
+            <p:seq concurrent="1" nextAc="seek">
+              <p:cTn id="2" dur="indefinite" nodeType="mainSeq">
+                <p:childTnLst>
+                  <p:par>
+                    <p:cTn id="3" fill="hold">
+                      <p:stCondLst>
+                        <p:cond delay="indefinite"/>
+                        <p:cond evt="onBegin" delay="0">
+                          <p:tn val="2"/>
+                        </p:cond>
+                      </p:stCondLst>
+                      <p:childTnLst>
+                        <p:par>
+                          <p:cTn id="4" fill="hold">
+                            <p:stCondLst>
+                              <p:cond delay="0"/>
+                            </p:stCondLst>
+                            <p:childTnLst>
+                              <p:par>
+                                <p:cTn id="5" presetID="32" presetClass="emph" presetSubtype="0" fill="hold" nodeType="withEffect">
+                                  <p:stCondLst>
+                                    <p:cond delay="0"/>
+                                  </p:stCondLst>
+                                  <p:childTnLst>
+                                    <p:animRot by="120000">
+                                      <p:cBhvr>
+                                        <p:cTn id="6" dur="350" fill="hold">
+                                          <p:stCondLst>
+                                            <p:cond delay="0"/>
+                                          </p:stCondLst>
+                                        </p:cTn>
+                                        <p:tgtEl>
+                                          <p:spTgt spid="7"/>
+                                        </p:tgtEl>
+                                        <p:attrNameLst>
+                                          <p:attrName>r</p:attrName>
+                                        </p:attrNameLst>
+                                      </p:cBhvr>
+                                    </p:animRot>
+                                    <p:animRot by="-240000">
+                                      <p:cBhvr>
+                                        <p:cTn id="7" dur="700" fill="hold">
+                                          <p:stCondLst>
+                                            <p:cond delay="700"/>
+                                          </p:stCondLst>
+                                        </p:cTn>
+                                        <p:tgtEl>
+                                          <p:spTgt spid="7"/>
+                                        </p:tgtEl>
+                                        <p:attrNameLst>
+                                          <p:attrName>r</p:attrName>
+                                        </p:attrNameLst>
+                                      </p:cBhvr>
+                                    </p:animRot>
+                                    <p:animRot by="240000">
+                                      <p:cBhvr>
+                                        <p:cTn id="8" dur="700" fill="hold">
+                                          <p:stCondLst>
+                                            <p:cond delay="1400"/>
+                                          </p:stCondLst>
+                                        </p:cTn>
+                                        <p:tgtEl>
+                                          <p:spTgt spid="7"/>
+                                        </p:tgtEl>
+                                        <p:attrNameLst>
+                                          <p:attrName>r</p:attrName>
+                                        </p:attrNameLst>
+                                      </p:cBhvr>
+                                    </p:animRot>
+                                    <p:animRot by="-240000">
+                                      <p:cBhvr>
+                                        <p:cTn id="9" dur="700" fill="hold">
+                                          <p:stCondLst>
+                                            <p:cond delay="2100"/>
+                                          </p:stCondLst>
+                                        </p:cTn>
+                                        <p:tgtEl>
+                                          <p:spTgt spid="7"/>
+                                        </p:tgtEl>
+                                        <p:attrNameLst>
+                                          <p:attrName>r</p:attrName>
+                                        </p:attrNameLst>
+                                      </p:cBhvr>
+                                    </p:animRot>
+                                    <p:animRot by="120000">
+                                      <p:cBhvr>
+                                        <p:cTn id="10" dur="700" fill="hold">
+                                          <p:stCondLst>
+                                            <p:cond delay="2800"/>
+                                          </p:stCondLst>
+                                        </p:cTn>
+                                        <p:tgtEl>
+                                          <p:spTgt spid="7"/>
+                                        </p:tgtEl>
+                                        <p:attrNameLst>
+                                          <p:attrName>r</p:attrName>
+                                        </p:attrNameLst>
+                                      </p:cBhvr>
+                                    </p:animRot>
+                                  </p:childTnLst>
+                                </p:cTn>
+                              </p:par>
+                            </p:childTnLst>
+                          </p:cTn>
+                        </p:par>
+                      </p:childTnLst>
+                    </p:cTn>
+                  </p:par>
+                </p:childTnLst>
+              </p:cTn>
+              <p:prevCondLst>
+                <p:cond evt="onPrev" delay="0">
+                  <p:tgtEl>
+                    <p:sldTgt/>
+                  </p:tgtEl>
+                </p:cond>
+              </p:prevCondLst>
+              <p:nextCondLst>
+                <p:cond evt="onNext" delay="0">
+                  <p:tgtEl>
+                    <p:sldTgt/>
+                  </p:tgtEl>
+                </p:cond>
+              </p:nextCondLst>
+            </p:seq>
+          </p:childTnLst>
+        </p:cTn>
+      </p:par>
+    </p:tnLst>
   </p:timing>
 </p:sld>
 </file>
@@ -8807,7 +9291,7 @@
           <p:cNvPr id="2" name="Title 1">
             <a:extLst>
               <a:ext uri="{FF2B5EF4-FFF2-40B4-BE49-F238E27FC236}">
-                <a16:creationId xmlns:a16="http://schemas.microsoft.com/office/drawing/2014/main" id="{F92722E9-2145-F0F1-5BF4-7B4BB826E5DF}"/>
+                <a16:creationId xmlns:a16="http://schemas.microsoft.com/office/drawing/2014/main" id="{2E746592-BE21-BE8A-15EF-80A70ABF1F6D}"/>
               </a:ext>
             </a:extLst>
           </p:cNvPr>
@@ -8820,397 +9304,64 @@
         </p:nvSpPr>
         <p:spPr>
           <a:xfrm>
-            <a:off x="148473" y="110765"/>
-            <a:ext cx="10396882" cy="756501"/>
+            <a:off x="639096" y="2277233"/>
+            <a:ext cx="6708057" cy="1074174"/>
           </a:xfrm>
         </p:spPr>
         <p:txBody>
           <a:bodyPr>
-            <a:normAutofit fontScale="90000"/>
+            <a:normAutofit/>
           </a:bodyPr>
           <a:lstStyle/>
           <a:p>
             <a:r>
-              <a:rPr lang="en-US" dirty="0"/>
-              <a:t>Screen flow</a:t>
-            </a:r>
-          </a:p>
-        </p:txBody>
-      </p:sp>
-      <p:sp>
-        <p:nvSpPr>
-          <p:cNvPr id="5" name="Rectangle 4">
+              <a:rPr lang="en-US" sz="4800" dirty="0"/>
+              <a:t>Sprite sheet</a:t>
+            </a:r>
+          </a:p>
+        </p:txBody>
+      </p:sp>
+      <p:pic>
+        <p:nvPicPr>
+          <p:cNvPr id="5" name="Content Placeholder 4" descr="A screenshot of a video game">
             <a:extLst>
               <a:ext uri="{FF2B5EF4-FFF2-40B4-BE49-F238E27FC236}">
-                <a16:creationId xmlns:a16="http://schemas.microsoft.com/office/drawing/2014/main" id="{F4766AFE-DBAF-31EB-4038-049891B72910}"/>
+                <a16:creationId xmlns:a16="http://schemas.microsoft.com/office/drawing/2014/main" id="{9240EA7C-5189-43DA-13A4-7FC0B5F995C1}"/>
               </a:ext>
             </a:extLst>
           </p:cNvPr>
-          <p:cNvSpPr/>
-          <p:nvPr/>
-        </p:nvSpPr>
+          <p:cNvPicPr>
+            <a:picLocks noGrp="1" noChangeAspect="1"/>
+          </p:cNvPicPr>
+          <p:nvPr>
+            <p:ph idx="1"/>
+          </p:nvPr>
+        </p:nvPicPr>
+        <p:blipFill>
+          <a:blip r:embed="rId2">
+            <a:extLst>
+              <a:ext uri="{28A0092B-C50C-407E-A947-70E740481C1C}">
+                <a14:useLocalDpi xmlns:a14="http://schemas.microsoft.com/office/drawing/2010/main" val="0"/>
+              </a:ext>
+            </a:extLst>
+          </a:blip>
+          <a:stretch>
+            <a:fillRect/>
+          </a:stretch>
+        </p:blipFill>
         <p:spPr>
           <a:xfrm>
-            <a:off x="1885359" y="1468224"/>
-            <a:ext cx="2055043" cy="1432875"/>
-          </a:xfrm>
-          <a:prstGeom prst="rect">
-            <a:avLst/>
-          </a:prstGeom>
-        </p:spPr>
-        <p:style>
-          <a:lnRef idx="2">
-            <a:schemeClr val="accent1">
-              <a:shade val="15000"/>
-            </a:schemeClr>
-          </a:lnRef>
-          <a:fillRef idx="1">
-            <a:schemeClr val="accent1"/>
-          </a:fillRef>
-          <a:effectRef idx="0">
-            <a:schemeClr val="accent1"/>
-          </a:effectRef>
-          <a:fontRef idx="minor">
-            <a:schemeClr val="lt1"/>
-          </a:fontRef>
-        </p:style>
-        <p:txBody>
-          <a:bodyPr rtlCol="0" anchor="ctr"/>
-          <a:lstStyle/>
-          <a:p>
-            <a:pPr algn="ctr"/>
-            <a:r>
-              <a:rPr lang="en-US" dirty="0"/>
-              <a:t>Main Menu Screen</a:t>
-            </a:r>
-          </a:p>
-        </p:txBody>
-      </p:sp>
-      <p:sp>
-        <p:nvSpPr>
-          <p:cNvPr id="6" name="Rectangle 5">
+            <a:off x="5142926" y="0"/>
+            <a:ext cx="5628640" cy="5628640"/>
+          </a:xfrm>
+        </p:spPr>
+      </p:pic>
+      <p:sp>
+        <p:nvSpPr>
+          <p:cNvPr id="6" name="TextBox 5">
             <a:extLst>
               <a:ext uri="{FF2B5EF4-FFF2-40B4-BE49-F238E27FC236}">
-                <a16:creationId xmlns:a16="http://schemas.microsoft.com/office/drawing/2014/main" id="{DC37E98F-AFA4-CB8D-DF24-E46D24AB09D5}"/>
-              </a:ext>
-            </a:extLst>
-          </p:cNvPr>
-          <p:cNvSpPr/>
-          <p:nvPr/>
-        </p:nvSpPr>
-        <p:spPr>
-          <a:xfrm>
-            <a:off x="7293204" y="1468223"/>
-            <a:ext cx="2055042" cy="1432875"/>
-          </a:xfrm>
-          <a:prstGeom prst="rect">
-            <a:avLst/>
-          </a:prstGeom>
-        </p:spPr>
-        <p:style>
-          <a:lnRef idx="2">
-            <a:schemeClr val="accent1">
-              <a:shade val="15000"/>
-            </a:schemeClr>
-          </a:lnRef>
-          <a:fillRef idx="1">
-            <a:schemeClr val="accent1"/>
-          </a:fillRef>
-          <a:effectRef idx="0">
-            <a:schemeClr val="accent1"/>
-          </a:effectRef>
-          <a:fontRef idx="minor">
-            <a:schemeClr val="lt1"/>
-          </a:fontRef>
-        </p:style>
-        <p:txBody>
-          <a:bodyPr rtlCol="0" anchor="ctr"/>
-          <a:lstStyle/>
-          <a:p>
-            <a:pPr algn="ctr"/>
-            <a:r>
-              <a:rPr lang="en-US" dirty="0"/>
-              <a:t>High Score Screen</a:t>
-            </a:r>
-          </a:p>
-        </p:txBody>
-      </p:sp>
-      <p:cxnSp>
-        <p:nvCxnSpPr>
-          <p:cNvPr id="8" name="Straight Arrow Connector 7">
-            <a:extLst>
-              <a:ext uri="{FF2B5EF4-FFF2-40B4-BE49-F238E27FC236}">
-                <a16:creationId xmlns:a16="http://schemas.microsoft.com/office/drawing/2014/main" id="{D89C91FD-8A92-4955-4153-A019302A8EBB}"/>
-              </a:ext>
-            </a:extLst>
-          </p:cNvPr>
-          <p:cNvCxnSpPr>
-            <a:stCxn id="5" idx="3"/>
-            <a:endCxn id="6" idx="1"/>
-          </p:cNvCxnSpPr>
-          <p:nvPr/>
-        </p:nvCxnSpPr>
-        <p:spPr>
-          <a:xfrm flipV="1">
-            <a:off x="3940402" y="2184661"/>
-            <a:ext cx="3352802" cy="1"/>
-          </a:xfrm>
-          <a:prstGeom prst="straightConnector1">
-            <a:avLst/>
-          </a:prstGeom>
-          <a:ln w="76200">
-            <a:headEnd type="triangle"/>
-            <a:tailEnd type="triangle"/>
-          </a:ln>
-        </p:spPr>
-        <p:style>
-          <a:lnRef idx="1">
-            <a:schemeClr val="accent1"/>
-          </a:lnRef>
-          <a:fillRef idx="0">
-            <a:schemeClr val="accent1"/>
-          </a:fillRef>
-          <a:effectRef idx="0">
-            <a:schemeClr val="accent1"/>
-          </a:effectRef>
-          <a:fontRef idx="minor">
-            <a:schemeClr val="tx1"/>
-          </a:fontRef>
-        </p:style>
-      </p:cxnSp>
-      <p:sp>
-        <p:nvSpPr>
-          <p:cNvPr id="10" name="Rectangle 9">
-            <a:extLst>
-              <a:ext uri="{FF2B5EF4-FFF2-40B4-BE49-F238E27FC236}">
-                <a16:creationId xmlns:a16="http://schemas.microsoft.com/office/drawing/2014/main" id="{9F41A0EC-5567-0915-2AE0-0FCDD7C9AB85}"/>
-              </a:ext>
-            </a:extLst>
-          </p:cNvPr>
-          <p:cNvSpPr/>
-          <p:nvPr/>
-        </p:nvSpPr>
-        <p:spPr>
-          <a:xfrm>
-            <a:off x="1885359" y="3956902"/>
-            <a:ext cx="2055043" cy="1432875"/>
-          </a:xfrm>
-          <a:prstGeom prst="rect">
-            <a:avLst/>
-          </a:prstGeom>
-        </p:spPr>
-        <p:style>
-          <a:lnRef idx="2">
-            <a:schemeClr val="accent1">
-              <a:shade val="15000"/>
-            </a:schemeClr>
-          </a:lnRef>
-          <a:fillRef idx="1">
-            <a:schemeClr val="accent1"/>
-          </a:fillRef>
-          <a:effectRef idx="0">
-            <a:schemeClr val="accent1"/>
-          </a:effectRef>
-          <a:fontRef idx="minor">
-            <a:schemeClr val="lt1"/>
-          </a:fontRef>
-        </p:style>
-        <p:txBody>
-          <a:bodyPr rtlCol="0" anchor="ctr"/>
-          <a:lstStyle/>
-          <a:p>
-            <a:pPr algn="ctr"/>
-            <a:r>
-              <a:rPr lang="en-US" dirty="0"/>
-              <a:t>Game Screen</a:t>
-            </a:r>
-          </a:p>
-        </p:txBody>
-      </p:sp>
-      <p:sp>
-        <p:nvSpPr>
-          <p:cNvPr id="11" name="Rectangle 10">
-            <a:extLst>
-              <a:ext uri="{FF2B5EF4-FFF2-40B4-BE49-F238E27FC236}">
-                <a16:creationId xmlns:a16="http://schemas.microsoft.com/office/drawing/2014/main" id="{EFF1D165-B956-5770-F006-70A463589D7F}"/>
-              </a:ext>
-            </a:extLst>
-          </p:cNvPr>
-          <p:cNvSpPr/>
-          <p:nvPr/>
-        </p:nvSpPr>
-        <p:spPr>
-          <a:xfrm>
-            <a:off x="7293204" y="3956902"/>
-            <a:ext cx="2055043" cy="1432875"/>
-          </a:xfrm>
-          <a:prstGeom prst="rect">
-            <a:avLst/>
-          </a:prstGeom>
-        </p:spPr>
-        <p:style>
-          <a:lnRef idx="2">
-            <a:schemeClr val="accent1">
-              <a:shade val="15000"/>
-            </a:schemeClr>
-          </a:lnRef>
-          <a:fillRef idx="1">
-            <a:schemeClr val="accent1"/>
-          </a:fillRef>
-          <a:effectRef idx="0">
-            <a:schemeClr val="accent1"/>
-          </a:effectRef>
-          <a:fontRef idx="minor">
-            <a:schemeClr val="lt1"/>
-          </a:fontRef>
-        </p:style>
-        <p:txBody>
-          <a:bodyPr rtlCol="0" anchor="ctr"/>
-          <a:lstStyle/>
-          <a:p>
-            <a:pPr algn="ctr"/>
-            <a:r>
-              <a:rPr lang="en-US" dirty="0"/>
-              <a:t>High Score Input Screen</a:t>
-            </a:r>
-          </a:p>
-        </p:txBody>
-      </p:sp>
-      <p:cxnSp>
-        <p:nvCxnSpPr>
-          <p:cNvPr id="12" name="Straight Arrow Connector 11">
-            <a:extLst>
-              <a:ext uri="{FF2B5EF4-FFF2-40B4-BE49-F238E27FC236}">
-                <a16:creationId xmlns:a16="http://schemas.microsoft.com/office/drawing/2014/main" id="{51BE4F5E-C7BF-1E7D-30AC-FD643E27CAB0}"/>
-              </a:ext>
-            </a:extLst>
-          </p:cNvPr>
-          <p:cNvCxnSpPr>
-            <a:cxnSpLocks/>
-            <a:stCxn id="5" idx="2"/>
-            <a:endCxn id="10" idx="0"/>
-          </p:cNvCxnSpPr>
-          <p:nvPr/>
-        </p:nvCxnSpPr>
-        <p:spPr>
-          <a:xfrm>
-            <a:off x="2912881" y="2901099"/>
-            <a:ext cx="0" cy="1055803"/>
-          </a:xfrm>
-          <a:prstGeom prst="straightConnector1">
-            <a:avLst/>
-          </a:prstGeom>
-          <a:ln w="76200">
-            <a:headEnd type="triangle"/>
-            <a:tailEnd type="triangle"/>
-          </a:ln>
-        </p:spPr>
-        <p:style>
-          <a:lnRef idx="1">
-            <a:schemeClr val="accent1"/>
-          </a:lnRef>
-          <a:fillRef idx="0">
-            <a:schemeClr val="accent1"/>
-          </a:fillRef>
-          <a:effectRef idx="0">
-            <a:schemeClr val="accent1"/>
-          </a:effectRef>
-          <a:fontRef idx="minor">
-            <a:schemeClr val="tx1"/>
-          </a:fontRef>
-        </p:style>
-      </p:cxnSp>
-      <p:cxnSp>
-        <p:nvCxnSpPr>
-          <p:cNvPr id="17" name="Straight Arrow Connector 16">
-            <a:extLst>
-              <a:ext uri="{FF2B5EF4-FFF2-40B4-BE49-F238E27FC236}">
-                <a16:creationId xmlns:a16="http://schemas.microsoft.com/office/drawing/2014/main" id="{F2F697CC-C8A6-6F61-C33D-4D75007BE0E4}"/>
-              </a:ext>
-            </a:extLst>
-          </p:cNvPr>
-          <p:cNvCxnSpPr>
-            <a:stCxn id="11" idx="0"/>
-            <a:endCxn id="6" idx="2"/>
-          </p:cNvCxnSpPr>
-          <p:nvPr/>
-        </p:nvCxnSpPr>
-        <p:spPr>
-          <a:xfrm flipH="1" flipV="1">
-            <a:off x="8320725" y="2901098"/>
-            <a:ext cx="1" cy="1055804"/>
-          </a:xfrm>
-          <a:prstGeom prst="straightConnector1">
-            <a:avLst/>
-          </a:prstGeom>
-          <a:ln w="76200">
-            <a:tailEnd type="triangle"/>
-          </a:ln>
-        </p:spPr>
-        <p:style>
-          <a:lnRef idx="1">
-            <a:schemeClr val="accent1"/>
-          </a:lnRef>
-          <a:fillRef idx="0">
-            <a:schemeClr val="accent1"/>
-          </a:fillRef>
-          <a:effectRef idx="0">
-            <a:schemeClr val="accent1"/>
-          </a:effectRef>
-          <a:fontRef idx="minor">
-            <a:schemeClr val="tx1"/>
-          </a:fontRef>
-        </p:style>
-      </p:cxnSp>
-      <p:cxnSp>
-        <p:nvCxnSpPr>
-          <p:cNvPr id="18" name="Straight Arrow Connector 17">
-            <a:extLst>
-              <a:ext uri="{FF2B5EF4-FFF2-40B4-BE49-F238E27FC236}">
-                <a16:creationId xmlns:a16="http://schemas.microsoft.com/office/drawing/2014/main" id="{FB0D7053-7F98-9BCC-554C-333FBEBE6C75}"/>
-              </a:ext>
-            </a:extLst>
-          </p:cNvPr>
-          <p:cNvCxnSpPr>
-            <a:cxnSpLocks/>
-            <a:stCxn id="22" idx="3"/>
-            <a:endCxn id="11" idx="1"/>
-          </p:cNvCxnSpPr>
-          <p:nvPr/>
-        </p:nvCxnSpPr>
-        <p:spPr>
-          <a:xfrm flipV="1">
-            <a:off x="5941417" y="4673340"/>
-            <a:ext cx="1351787" cy="2348"/>
-          </a:xfrm>
-          <a:prstGeom prst="straightConnector1">
-            <a:avLst/>
-          </a:prstGeom>
-          <a:ln w="57150">
-            <a:tailEnd type="triangle"/>
-          </a:ln>
-        </p:spPr>
-        <p:style>
-          <a:lnRef idx="1">
-            <a:schemeClr val="accent1"/>
-          </a:lnRef>
-          <a:fillRef idx="0">
-            <a:schemeClr val="accent1"/>
-          </a:fillRef>
-          <a:effectRef idx="0">
-            <a:schemeClr val="accent1"/>
-          </a:effectRef>
-          <a:fontRef idx="minor">
-            <a:schemeClr val="tx1"/>
-          </a:fontRef>
-        </p:style>
-      </p:cxnSp>
-      <p:sp>
-        <p:nvSpPr>
-          <p:cNvPr id="21" name="TextBox 20">
-            <a:extLst>
-              <a:ext uri="{FF2B5EF4-FFF2-40B4-BE49-F238E27FC236}">
-                <a16:creationId xmlns:a16="http://schemas.microsoft.com/office/drawing/2014/main" id="{6008D0E6-D197-7E60-A4ED-386417724058}"/>
+                <a16:creationId xmlns:a16="http://schemas.microsoft.com/office/drawing/2014/main" id="{277BAE49-0EF9-5FB0-5D1E-7B76F366F2F8}"/>
               </a:ext>
             </a:extLst>
           </p:cNvPr>
@@ -9219,8 +9370,8 @@
         </p:nvSpPr>
         <p:spPr>
           <a:xfrm>
-            <a:off x="4118902" y="4170186"/>
-            <a:ext cx="1471194" cy="377060"/>
+            <a:off x="659988" y="5043865"/>
+            <a:ext cx="4060723" cy="584775"/>
           </a:xfrm>
           <a:prstGeom prst="rect">
             <a:avLst/>
@@ -9234,218 +9385,12 @@
           <a:lstStyle/>
           <a:p>
             <a:r>
-              <a:rPr lang="en-US" dirty="0">
+              <a:rPr lang="en-US" sz="3200" dirty="0">
                 <a:solidFill>
-                  <a:srgbClr val="C00000"/>
+                  <a:srgbClr val="FF0000"/>
                 </a:solidFill>
               </a:rPr>
-              <a:t>High Score?</a:t>
-            </a:r>
-          </a:p>
-        </p:txBody>
-      </p:sp>
-      <p:sp>
-        <p:nvSpPr>
-          <p:cNvPr id="22" name="Diamond 21">
-            <a:extLst>
-              <a:ext uri="{FF2B5EF4-FFF2-40B4-BE49-F238E27FC236}">
-                <a16:creationId xmlns:a16="http://schemas.microsoft.com/office/drawing/2014/main" id="{8B56BF73-18D9-98D1-7484-18F3B12C6267}"/>
-              </a:ext>
-            </a:extLst>
-          </p:cNvPr>
-          <p:cNvSpPr/>
-          <p:nvPr/>
-        </p:nvSpPr>
-        <p:spPr>
-          <a:xfrm>
-            <a:off x="5292886" y="4308043"/>
-            <a:ext cx="648531" cy="735290"/>
-          </a:xfrm>
-          <a:prstGeom prst="diamond">
-            <a:avLst/>
-          </a:prstGeom>
-        </p:spPr>
-        <p:style>
-          <a:lnRef idx="2">
-            <a:schemeClr val="accent1">
-              <a:shade val="15000"/>
-            </a:schemeClr>
-          </a:lnRef>
-          <a:fillRef idx="1">
-            <a:schemeClr val="accent1"/>
-          </a:fillRef>
-          <a:effectRef idx="0">
-            <a:schemeClr val="accent1"/>
-          </a:effectRef>
-          <a:fontRef idx="minor">
-            <a:schemeClr val="lt1"/>
-          </a:fontRef>
-        </p:style>
-        <p:txBody>
-          <a:bodyPr rtlCol="0" anchor="ctr"/>
-          <a:lstStyle/>
-          <a:p>
-            <a:pPr algn="ctr"/>
-            <a:endParaRPr lang="en-US"/>
-          </a:p>
-        </p:txBody>
-      </p:sp>
-      <p:sp>
-        <p:nvSpPr>
-          <p:cNvPr id="23" name="TextBox 22">
-            <a:extLst>
-              <a:ext uri="{FF2B5EF4-FFF2-40B4-BE49-F238E27FC236}">
-                <a16:creationId xmlns:a16="http://schemas.microsoft.com/office/drawing/2014/main" id="{F4C1C6A4-4E54-16E5-B753-D96FA65D51D1}"/>
-              </a:ext>
-            </a:extLst>
-          </p:cNvPr>
-          <p:cNvSpPr txBox="1"/>
-          <p:nvPr/>
-        </p:nvSpPr>
-        <p:spPr>
-          <a:xfrm>
-            <a:off x="6320407" y="4303348"/>
-            <a:ext cx="648531" cy="369332"/>
-          </a:xfrm>
-          <a:prstGeom prst="rect">
-            <a:avLst/>
-          </a:prstGeom>
-          <a:noFill/>
-        </p:spPr>
-        <p:txBody>
-          <a:bodyPr wrap="square" rtlCol="0">
-            <a:spAutoFit/>
-          </a:bodyPr>
-          <a:lstStyle/>
-          <a:p>
-            <a:r>
-              <a:rPr lang="en-US" dirty="0">
-                <a:solidFill>
-                  <a:srgbClr val="C00000"/>
-                </a:solidFill>
-              </a:rPr>
-              <a:t>Yes</a:t>
-            </a:r>
-          </a:p>
-        </p:txBody>
-      </p:sp>
-      <p:cxnSp>
-        <p:nvCxnSpPr>
-          <p:cNvPr id="25" name="Connector: Elbow 24">
-            <a:extLst>
-              <a:ext uri="{FF2B5EF4-FFF2-40B4-BE49-F238E27FC236}">
-                <a16:creationId xmlns:a16="http://schemas.microsoft.com/office/drawing/2014/main" id="{4C7F8958-2A45-FC4A-0C6B-B8B1C7227CA9}"/>
-              </a:ext>
-            </a:extLst>
-          </p:cNvPr>
-          <p:cNvCxnSpPr>
-            <a:cxnSpLocks/>
-            <a:stCxn id="22" idx="0"/>
-          </p:cNvCxnSpPr>
-          <p:nvPr/>
-        </p:nvCxnSpPr>
-        <p:spPr>
-          <a:xfrm rot="16200000" flipV="1">
-            <a:off x="3968663" y="2659554"/>
-            <a:ext cx="1620229" cy="1676750"/>
-          </a:xfrm>
-          <a:prstGeom prst="bentConnector2">
-            <a:avLst/>
-          </a:prstGeom>
-          <a:ln w="57150">
-            <a:tailEnd type="triangle"/>
-          </a:ln>
-        </p:spPr>
-        <p:style>
-          <a:lnRef idx="1">
-            <a:schemeClr val="accent1"/>
-          </a:lnRef>
-          <a:fillRef idx="0">
-            <a:schemeClr val="accent1"/>
-          </a:fillRef>
-          <a:effectRef idx="0">
-            <a:schemeClr val="accent1"/>
-          </a:effectRef>
-          <a:fontRef idx="minor">
-            <a:schemeClr val="tx1"/>
-          </a:fontRef>
-        </p:style>
-      </p:cxnSp>
-      <p:cxnSp>
-        <p:nvCxnSpPr>
-          <p:cNvPr id="29" name="Straight Connector 28">
-            <a:extLst>
-              <a:ext uri="{FF2B5EF4-FFF2-40B4-BE49-F238E27FC236}">
-                <a16:creationId xmlns:a16="http://schemas.microsoft.com/office/drawing/2014/main" id="{CECF6960-F4E0-EC5B-10AF-25EC8DDE91FA}"/>
-              </a:ext>
-            </a:extLst>
-          </p:cNvPr>
-          <p:cNvCxnSpPr>
-            <a:stCxn id="10" idx="3"/>
-            <a:endCxn id="22" idx="1"/>
-          </p:cNvCxnSpPr>
-          <p:nvPr/>
-        </p:nvCxnSpPr>
-        <p:spPr>
-          <a:xfrm>
-            <a:off x="3940402" y="4673340"/>
-            <a:ext cx="1352484" cy="2348"/>
-          </a:xfrm>
-          <a:prstGeom prst="line">
-            <a:avLst/>
-          </a:prstGeom>
-          <a:ln w="76200"/>
-        </p:spPr>
-        <p:style>
-          <a:lnRef idx="1">
-            <a:schemeClr val="accent1"/>
-          </a:lnRef>
-          <a:fillRef idx="0">
-            <a:schemeClr val="accent1"/>
-          </a:fillRef>
-          <a:effectRef idx="0">
-            <a:schemeClr val="accent1"/>
-          </a:effectRef>
-          <a:fontRef idx="minor">
-            <a:schemeClr val="tx1"/>
-          </a:fontRef>
-        </p:style>
-      </p:cxnSp>
-      <p:sp>
-        <p:nvSpPr>
-          <p:cNvPr id="30" name="TextBox 29">
-            <a:extLst>
-              <a:ext uri="{FF2B5EF4-FFF2-40B4-BE49-F238E27FC236}">
-                <a16:creationId xmlns:a16="http://schemas.microsoft.com/office/drawing/2014/main" id="{E90A79D7-A301-877B-D0EF-6359A4DA7667}"/>
-              </a:ext>
-            </a:extLst>
-          </p:cNvPr>
-          <p:cNvSpPr txBox="1"/>
-          <p:nvPr/>
-        </p:nvSpPr>
-        <p:spPr>
-          <a:xfrm>
-            <a:off x="5671876" y="3289977"/>
-            <a:ext cx="648531" cy="369332"/>
-          </a:xfrm>
-          <a:prstGeom prst="rect">
-            <a:avLst/>
-          </a:prstGeom>
-          <a:noFill/>
-        </p:spPr>
-        <p:txBody>
-          <a:bodyPr wrap="square" rtlCol="0">
-            <a:spAutoFit/>
-          </a:bodyPr>
-          <a:lstStyle/>
-          <a:p>
-            <a:r>
-              <a:rPr lang="en-US" dirty="0">
-                <a:solidFill>
-                  <a:srgbClr val="C00000"/>
-                </a:solidFill>
-              </a:rPr>
-              <a:t>No</a:t>
+              <a:t>www.gameart2d.com</a:t>
             </a:r>
           </a:p>
         </p:txBody>
@@ -9453,670 +9398,13 @@
     </p:spTree>
     <p:extLst>
       <p:ext uri="{BB962C8B-B14F-4D97-AF65-F5344CB8AC3E}">
-        <p14:creationId xmlns:p14="http://schemas.microsoft.com/office/powerpoint/2010/main" val="4272533253"/>
+        <p14:creationId xmlns:p14="http://schemas.microsoft.com/office/powerpoint/2010/main" val="264481733"/>
       </p:ext>
     </p:extLst>
   </p:cSld>
   <p:clrMapOvr>
     <a:masterClrMapping/>
   </p:clrMapOvr>
-  <p:timing>
-    <p:tnLst>
-      <p:par>
-        <p:cTn id="1" dur="indefinite" restart="never" nodeType="tmRoot">
-          <p:childTnLst>
-            <p:seq concurrent="1" nextAc="seek">
-              <p:cTn id="2" dur="indefinite" nodeType="mainSeq">
-                <p:childTnLst>
-                  <p:par>
-                    <p:cTn id="3" fill="hold">
-                      <p:stCondLst>
-                        <p:cond delay="indefinite"/>
-                      </p:stCondLst>
-                      <p:childTnLst>
-                        <p:par>
-                          <p:cTn id="4" fill="hold">
-                            <p:stCondLst>
-                              <p:cond delay="0"/>
-                            </p:stCondLst>
-                            <p:childTnLst>
-                              <p:par>
-                                <p:cTn id="5" presetID="1" presetClass="entr" presetSubtype="0" fill="hold" grpId="0" nodeType="clickEffect">
-                                  <p:stCondLst>
-                                    <p:cond delay="0"/>
-                                  </p:stCondLst>
-                                  <p:childTnLst>
-                                    <p:set>
-                                      <p:cBhvr>
-                                        <p:cTn id="6" dur="1" fill="hold">
-                                          <p:stCondLst>
-                                            <p:cond delay="0"/>
-                                          </p:stCondLst>
-                                        </p:cTn>
-                                        <p:tgtEl>
-                                          <p:spTgt spid="5"/>
-                                        </p:tgtEl>
-                                        <p:attrNameLst>
-                                          <p:attrName>style.visibility</p:attrName>
-                                        </p:attrNameLst>
-                                      </p:cBhvr>
-                                      <p:to>
-                                        <p:strVal val="visible"/>
-                                      </p:to>
-                                    </p:set>
-                                  </p:childTnLst>
-                                </p:cTn>
-                              </p:par>
-                            </p:childTnLst>
-                          </p:cTn>
-                        </p:par>
-                      </p:childTnLst>
-                    </p:cTn>
-                  </p:par>
-                  <p:par>
-                    <p:cTn id="7" fill="hold">
-                      <p:stCondLst>
-                        <p:cond delay="indefinite"/>
-                      </p:stCondLst>
-                      <p:childTnLst>
-                        <p:par>
-                          <p:cTn id="8" fill="hold">
-                            <p:stCondLst>
-                              <p:cond delay="0"/>
-                            </p:stCondLst>
-                            <p:childTnLst>
-                              <p:par>
-                                <p:cTn id="9" presetID="10" presetClass="entr" presetSubtype="0" fill="hold" nodeType="clickEffect">
-                                  <p:stCondLst>
-                                    <p:cond delay="0"/>
-                                  </p:stCondLst>
-                                  <p:childTnLst>
-                                    <p:set>
-                                      <p:cBhvr>
-                                        <p:cTn id="10" dur="1" fill="hold">
-                                          <p:stCondLst>
-                                            <p:cond delay="0"/>
-                                          </p:stCondLst>
-                                        </p:cTn>
-                                        <p:tgtEl>
-                                          <p:spTgt spid="8"/>
-                                        </p:tgtEl>
-                                        <p:attrNameLst>
-                                          <p:attrName>style.visibility</p:attrName>
-                                        </p:attrNameLst>
-                                      </p:cBhvr>
-                                      <p:to>
-                                        <p:strVal val="visible"/>
-                                      </p:to>
-                                    </p:set>
-                                    <p:animEffect transition="in" filter="fade">
-                                      <p:cBhvr>
-                                        <p:cTn id="11" dur="500"/>
-                                        <p:tgtEl>
-                                          <p:spTgt spid="8"/>
-                                        </p:tgtEl>
-                                      </p:cBhvr>
-                                    </p:animEffect>
-                                  </p:childTnLst>
-                                </p:cTn>
-                              </p:par>
-                              <p:par>
-                                <p:cTn id="12" presetID="10" presetClass="entr" presetSubtype="0" fill="hold" grpId="0" nodeType="withEffect">
-                                  <p:stCondLst>
-                                    <p:cond delay="250"/>
-                                  </p:stCondLst>
-                                  <p:childTnLst>
-                                    <p:set>
-                                      <p:cBhvr>
-                                        <p:cTn id="13" dur="1" fill="hold">
-                                          <p:stCondLst>
-                                            <p:cond delay="0"/>
-                                          </p:stCondLst>
-                                        </p:cTn>
-                                        <p:tgtEl>
-                                          <p:spTgt spid="6"/>
-                                        </p:tgtEl>
-                                        <p:attrNameLst>
-                                          <p:attrName>style.visibility</p:attrName>
-                                        </p:attrNameLst>
-                                      </p:cBhvr>
-                                      <p:to>
-                                        <p:strVal val="visible"/>
-                                      </p:to>
-                                    </p:set>
-                                    <p:animEffect transition="in" filter="fade">
-                                      <p:cBhvr>
-                                        <p:cTn id="14" dur="500"/>
-                                        <p:tgtEl>
-                                          <p:spTgt spid="6"/>
-                                        </p:tgtEl>
-                                      </p:cBhvr>
-                                    </p:animEffect>
-                                  </p:childTnLst>
-                                </p:cTn>
-                              </p:par>
-                            </p:childTnLst>
-                          </p:cTn>
-                        </p:par>
-                      </p:childTnLst>
-                    </p:cTn>
-                  </p:par>
-                  <p:par>
-                    <p:cTn id="15" fill="hold">
-                      <p:stCondLst>
-                        <p:cond delay="indefinite"/>
-                      </p:stCondLst>
-                      <p:childTnLst>
-                        <p:par>
-                          <p:cTn id="16" fill="hold">
-                            <p:stCondLst>
-                              <p:cond delay="0"/>
-                            </p:stCondLst>
-                            <p:childTnLst>
-                              <p:par>
-                                <p:cTn id="17" presetID="10" presetClass="entr" presetSubtype="0" fill="hold" nodeType="clickEffect">
-                                  <p:stCondLst>
-                                    <p:cond delay="0"/>
-                                  </p:stCondLst>
-                                  <p:childTnLst>
-                                    <p:set>
-                                      <p:cBhvr>
-                                        <p:cTn id="18" dur="1" fill="hold">
-                                          <p:stCondLst>
-                                            <p:cond delay="0"/>
-                                          </p:stCondLst>
-                                        </p:cTn>
-                                        <p:tgtEl>
-                                          <p:spTgt spid="12"/>
-                                        </p:tgtEl>
-                                        <p:attrNameLst>
-                                          <p:attrName>style.visibility</p:attrName>
-                                        </p:attrNameLst>
-                                      </p:cBhvr>
-                                      <p:to>
-                                        <p:strVal val="visible"/>
-                                      </p:to>
-                                    </p:set>
-                                    <p:animEffect transition="in" filter="fade">
-                                      <p:cBhvr>
-                                        <p:cTn id="19" dur="500"/>
-                                        <p:tgtEl>
-                                          <p:spTgt spid="12"/>
-                                        </p:tgtEl>
-                                      </p:cBhvr>
-                                    </p:animEffect>
-                                  </p:childTnLst>
-                                </p:cTn>
-                              </p:par>
-                              <p:par>
-                                <p:cTn id="20" presetID="10" presetClass="entr" presetSubtype="0" fill="hold" grpId="0" nodeType="withEffect">
-                                  <p:stCondLst>
-                                    <p:cond delay="0"/>
-                                  </p:stCondLst>
-                                  <p:childTnLst>
-                                    <p:set>
-                                      <p:cBhvr>
-                                        <p:cTn id="21" dur="1" fill="hold">
-                                          <p:stCondLst>
-                                            <p:cond delay="0"/>
-                                          </p:stCondLst>
-                                        </p:cTn>
-                                        <p:tgtEl>
-                                          <p:spTgt spid="10"/>
-                                        </p:tgtEl>
-                                        <p:attrNameLst>
-                                          <p:attrName>style.visibility</p:attrName>
-                                        </p:attrNameLst>
-                                      </p:cBhvr>
-                                      <p:to>
-                                        <p:strVal val="visible"/>
-                                      </p:to>
-                                    </p:set>
-                                    <p:animEffect transition="in" filter="fade">
-                                      <p:cBhvr>
-                                        <p:cTn id="22" dur="500"/>
-                                        <p:tgtEl>
-                                          <p:spTgt spid="10"/>
-                                        </p:tgtEl>
-                                      </p:cBhvr>
-                                    </p:animEffect>
-                                  </p:childTnLst>
-                                </p:cTn>
-                              </p:par>
-                            </p:childTnLst>
-                          </p:cTn>
-                        </p:par>
-                      </p:childTnLst>
-                    </p:cTn>
-                  </p:par>
-                  <p:par>
-                    <p:cTn id="23" fill="hold">
-                      <p:stCondLst>
-                        <p:cond delay="indefinite"/>
-                      </p:stCondLst>
-                      <p:childTnLst>
-                        <p:par>
-                          <p:cTn id="24" fill="hold">
-                            <p:stCondLst>
-                              <p:cond delay="0"/>
-                            </p:stCondLst>
-                            <p:childTnLst>
-                              <p:par>
-                                <p:cTn id="25" presetID="10" presetClass="entr" presetSubtype="0" fill="hold" nodeType="clickEffect">
-                                  <p:stCondLst>
-                                    <p:cond delay="0"/>
-                                  </p:stCondLst>
-                                  <p:childTnLst>
-                                    <p:set>
-                                      <p:cBhvr>
-                                        <p:cTn id="26" dur="1" fill="hold">
-                                          <p:stCondLst>
-                                            <p:cond delay="0"/>
-                                          </p:stCondLst>
-                                        </p:cTn>
-                                        <p:tgtEl>
-                                          <p:spTgt spid="29"/>
-                                        </p:tgtEl>
-                                        <p:attrNameLst>
-                                          <p:attrName>style.visibility</p:attrName>
-                                        </p:attrNameLst>
-                                      </p:cBhvr>
-                                      <p:to>
-                                        <p:strVal val="visible"/>
-                                      </p:to>
-                                    </p:set>
-                                    <p:animEffect transition="in" filter="fade">
-                                      <p:cBhvr>
-                                        <p:cTn id="27" dur="500"/>
-                                        <p:tgtEl>
-                                          <p:spTgt spid="29"/>
-                                        </p:tgtEl>
-                                      </p:cBhvr>
-                                    </p:animEffect>
-                                  </p:childTnLst>
-                                </p:cTn>
-                              </p:par>
-                              <p:par>
-                                <p:cTn id="28" presetID="10" presetClass="entr" presetSubtype="0" fill="hold" grpId="0" nodeType="withEffect">
-                                  <p:stCondLst>
-                                    <p:cond delay="0"/>
-                                  </p:stCondLst>
-                                  <p:childTnLst>
-                                    <p:set>
-                                      <p:cBhvr>
-                                        <p:cTn id="29" dur="1" fill="hold">
-                                          <p:stCondLst>
-                                            <p:cond delay="0"/>
-                                          </p:stCondLst>
-                                        </p:cTn>
-                                        <p:tgtEl>
-                                          <p:spTgt spid="21"/>
-                                        </p:tgtEl>
-                                        <p:attrNameLst>
-                                          <p:attrName>style.visibility</p:attrName>
-                                        </p:attrNameLst>
-                                      </p:cBhvr>
-                                      <p:to>
-                                        <p:strVal val="visible"/>
-                                      </p:to>
-                                    </p:set>
-                                    <p:animEffect transition="in" filter="fade">
-                                      <p:cBhvr>
-                                        <p:cTn id="30" dur="500"/>
-                                        <p:tgtEl>
-                                          <p:spTgt spid="21"/>
-                                        </p:tgtEl>
-                                      </p:cBhvr>
-                                    </p:animEffect>
-                                  </p:childTnLst>
-                                </p:cTn>
-                              </p:par>
-                              <p:par>
-                                <p:cTn id="31" presetID="10" presetClass="entr" presetSubtype="0" fill="hold" grpId="0" nodeType="withEffect">
-                                  <p:stCondLst>
-                                    <p:cond delay="0"/>
-                                  </p:stCondLst>
-                                  <p:childTnLst>
-                                    <p:set>
-                                      <p:cBhvr>
-                                        <p:cTn id="32" dur="1" fill="hold">
-                                          <p:stCondLst>
-                                            <p:cond delay="0"/>
-                                          </p:stCondLst>
-                                        </p:cTn>
-                                        <p:tgtEl>
-                                          <p:spTgt spid="22"/>
-                                        </p:tgtEl>
-                                        <p:attrNameLst>
-                                          <p:attrName>style.visibility</p:attrName>
-                                        </p:attrNameLst>
-                                      </p:cBhvr>
-                                      <p:to>
-                                        <p:strVal val="visible"/>
-                                      </p:to>
-                                    </p:set>
-                                    <p:animEffect transition="in" filter="fade">
-                                      <p:cBhvr>
-                                        <p:cTn id="33" dur="500"/>
-                                        <p:tgtEl>
-                                          <p:spTgt spid="22"/>
-                                        </p:tgtEl>
-                                      </p:cBhvr>
-                                    </p:animEffect>
-                                  </p:childTnLst>
-                                </p:cTn>
-                              </p:par>
-                            </p:childTnLst>
-                          </p:cTn>
-                        </p:par>
-                      </p:childTnLst>
-                    </p:cTn>
-                  </p:par>
-                  <p:par>
-                    <p:cTn id="34" fill="hold">
-                      <p:stCondLst>
-                        <p:cond delay="indefinite"/>
-                      </p:stCondLst>
-                      <p:childTnLst>
-                        <p:par>
-                          <p:cTn id="35" fill="hold">
-                            <p:stCondLst>
-                              <p:cond delay="0"/>
-                            </p:stCondLst>
-                            <p:childTnLst>
-                              <p:par>
-                                <p:cTn id="36" presetID="10" presetClass="entr" presetSubtype="0" fill="hold" nodeType="clickEffect">
-                                  <p:stCondLst>
-                                    <p:cond delay="0"/>
-                                  </p:stCondLst>
-                                  <p:childTnLst>
-                                    <p:set>
-                                      <p:cBhvr>
-                                        <p:cTn id="37" dur="1" fill="hold">
-                                          <p:stCondLst>
-                                            <p:cond delay="0"/>
-                                          </p:stCondLst>
-                                        </p:cTn>
-                                        <p:tgtEl>
-                                          <p:spTgt spid="18"/>
-                                        </p:tgtEl>
-                                        <p:attrNameLst>
-                                          <p:attrName>style.visibility</p:attrName>
-                                        </p:attrNameLst>
-                                      </p:cBhvr>
-                                      <p:to>
-                                        <p:strVal val="visible"/>
-                                      </p:to>
-                                    </p:set>
-                                    <p:animEffect transition="in" filter="fade">
-                                      <p:cBhvr>
-                                        <p:cTn id="38" dur="500"/>
-                                        <p:tgtEl>
-                                          <p:spTgt spid="18"/>
-                                        </p:tgtEl>
-                                      </p:cBhvr>
-                                    </p:animEffect>
-                                  </p:childTnLst>
-                                </p:cTn>
-                              </p:par>
-                              <p:par>
-                                <p:cTn id="39" presetID="10" presetClass="entr" presetSubtype="0" fill="hold" grpId="0" nodeType="withEffect">
-                                  <p:stCondLst>
-                                    <p:cond delay="0"/>
-                                  </p:stCondLst>
-                                  <p:childTnLst>
-                                    <p:set>
-                                      <p:cBhvr>
-                                        <p:cTn id="40" dur="1" fill="hold">
-                                          <p:stCondLst>
-                                            <p:cond delay="0"/>
-                                          </p:stCondLst>
-                                        </p:cTn>
-                                        <p:tgtEl>
-                                          <p:spTgt spid="23"/>
-                                        </p:tgtEl>
-                                        <p:attrNameLst>
-                                          <p:attrName>style.visibility</p:attrName>
-                                        </p:attrNameLst>
-                                      </p:cBhvr>
-                                      <p:to>
-                                        <p:strVal val="visible"/>
-                                      </p:to>
-                                    </p:set>
-                                    <p:animEffect transition="in" filter="fade">
-                                      <p:cBhvr>
-                                        <p:cTn id="41" dur="500"/>
-                                        <p:tgtEl>
-                                          <p:spTgt spid="23"/>
-                                        </p:tgtEl>
-                                      </p:cBhvr>
-                                    </p:animEffect>
-                                  </p:childTnLst>
-                                </p:cTn>
-                              </p:par>
-                            </p:childTnLst>
-                          </p:cTn>
-                        </p:par>
-                        <p:par>
-                          <p:cTn id="42" fill="hold">
-                            <p:stCondLst>
-                              <p:cond delay="500"/>
-                            </p:stCondLst>
-                            <p:childTnLst>
-                              <p:par>
-                                <p:cTn id="43" presetID="10" presetClass="entr" presetSubtype="0" fill="hold" grpId="0" nodeType="afterEffect">
-                                  <p:stCondLst>
-                                    <p:cond delay="0"/>
-                                  </p:stCondLst>
-                                  <p:childTnLst>
-                                    <p:set>
-                                      <p:cBhvr>
-                                        <p:cTn id="44" dur="1" fill="hold">
-                                          <p:stCondLst>
-                                            <p:cond delay="0"/>
-                                          </p:stCondLst>
-                                        </p:cTn>
-                                        <p:tgtEl>
-                                          <p:spTgt spid="11"/>
-                                        </p:tgtEl>
-                                        <p:attrNameLst>
-                                          <p:attrName>style.visibility</p:attrName>
-                                        </p:attrNameLst>
-                                      </p:cBhvr>
-                                      <p:to>
-                                        <p:strVal val="visible"/>
-                                      </p:to>
-                                    </p:set>
-                                    <p:animEffect transition="in" filter="fade">
-                                      <p:cBhvr>
-                                        <p:cTn id="45" dur="500"/>
-                                        <p:tgtEl>
-                                          <p:spTgt spid="11"/>
-                                        </p:tgtEl>
-                                      </p:cBhvr>
-                                    </p:animEffect>
-                                  </p:childTnLst>
-                                </p:cTn>
-                              </p:par>
-                            </p:childTnLst>
-                          </p:cTn>
-                        </p:par>
-                      </p:childTnLst>
-                    </p:cTn>
-                  </p:par>
-                  <p:par>
-                    <p:cTn id="46" fill="hold">
-                      <p:stCondLst>
-                        <p:cond delay="indefinite"/>
-                      </p:stCondLst>
-                      <p:childTnLst>
-                        <p:par>
-                          <p:cTn id="47" fill="hold">
-                            <p:stCondLst>
-                              <p:cond delay="0"/>
-                            </p:stCondLst>
-                            <p:childTnLst>
-                              <p:par>
-                                <p:cTn id="48" presetID="10" presetClass="entr" presetSubtype="0" fill="hold" nodeType="clickEffect">
-                                  <p:stCondLst>
-                                    <p:cond delay="0"/>
-                                  </p:stCondLst>
-                                  <p:childTnLst>
-                                    <p:set>
-                                      <p:cBhvr>
-                                        <p:cTn id="49" dur="1" fill="hold">
-                                          <p:stCondLst>
-                                            <p:cond delay="0"/>
-                                          </p:stCondLst>
-                                        </p:cTn>
-                                        <p:tgtEl>
-                                          <p:spTgt spid="17"/>
-                                        </p:tgtEl>
-                                        <p:attrNameLst>
-                                          <p:attrName>style.visibility</p:attrName>
-                                        </p:attrNameLst>
-                                      </p:cBhvr>
-                                      <p:to>
-                                        <p:strVal val="visible"/>
-                                      </p:to>
-                                    </p:set>
-                                    <p:animEffect transition="in" filter="fade">
-                                      <p:cBhvr>
-                                        <p:cTn id="50" dur="500"/>
-                                        <p:tgtEl>
-                                          <p:spTgt spid="17"/>
-                                        </p:tgtEl>
-                                      </p:cBhvr>
-                                    </p:animEffect>
-                                  </p:childTnLst>
-                                </p:cTn>
-                              </p:par>
-                            </p:childTnLst>
-                          </p:cTn>
-                        </p:par>
-                      </p:childTnLst>
-                    </p:cTn>
-                  </p:par>
-                  <p:par>
-                    <p:cTn id="51" fill="hold">
-                      <p:stCondLst>
-                        <p:cond delay="indefinite"/>
-                      </p:stCondLst>
-                      <p:childTnLst>
-                        <p:par>
-                          <p:cTn id="52" fill="hold">
-                            <p:stCondLst>
-                              <p:cond delay="0"/>
-                            </p:stCondLst>
-                            <p:childTnLst>
-                              <p:par>
-                                <p:cTn id="53" presetID="10" presetClass="entr" presetSubtype="0" fill="hold" grpId="0" nodeType="clickEffect">
-                                  <p:stCondLst>
-                                    <p:cond delay="0"/>
-                                  </p:stCondLst>
-                                  <p:childTnLst>
-                                    <p:set>
-                                      <p:cBhvr>
-                                        <p:cTn id="54" dur="1" fill="hold">
-                                          <p:stCondLst>
-                                            <p:cond delay="0"/>
-                                          </p:stCondLst>
-                                        </p:cTn>
-                                        <p:tgtEl>
-                                          <p:spTgt spid="30"/>
-                                        </p:tgtEl>
-                                        <p:attrNameLst>
-                                          <p:attrName>style.visibility</p:attrName>
-                                        </p:attrNameLst>
-                                      </p:cBhvr>
-                                      <p:to>
-                                        <p:strVal val="visible"/>
-                                      </p:to>
-                                    </p:set>
-                                    <p:animEffect transition="in" filter="fade">
-                                      <p:cBhvr>
-                                        <p:cTn id="55" dur="500"/>
-                                        <p:tgtEl>
-                                          <p:spTgt spid="30"/>
-                                        </p:tgtEl>
-                                      </p:cBhvr>
-                                    </p:animEffect>
-                                  </p:childTnLst>
-                                </p:cTn>
-                              </p:par>
-                              <p:par>
-                                <p:cTn id="56" presetID="10" presetClass="entr" presetSubtype="0" fill="hold" nodeType="withEffect">
-                                  <p:stCondLst>
-                                    <p:cond delay="0"/>
-                                  </p:stCondLst>
-                                  <p:childTnLst>
-                                    <p:set>
-                                      <p:cBhvr>
-                                        <p:cTn id="57" dur="1" fill="hold">
-                                          <p:stCondLst>
-                                            <p:cond delay="0"/>
-                                          </p:stCondLst>
-                                        </p:cTn>
-                                        <p:tgtEl>
-                                          <p:spTgt spid="25"/>
-                                        </p:tgtEl>
-                                        <p:attrNameLst>
-                                          <p:attrName>style.visibility</p:attrName>
-                                        </p:attrNameLst>
-                                      </p:cBhvr>
-                                      <p:to>
-                                        <p:strVal val="visible"/>
-                                      </p:to>
-                                    </p:set>
-                                    <p:animEffect transition="in" filter="fade">
-                                      <p:cBhvr>
-                                        <p:cTn id="58" dur="500"/>
-                                        <p:tgtEl>
-                                          <p:spTgt spid="25"/>
-                                        </p:tgtEl>
-                                      </p:cBhvr>
-                                    </p:animEffect>
-                                  </p:childTnLst>
-                                </p:cTn>
-                              </p:par>
-                            </p:childTnLst>
-                          </p:cTn>
-                        </p:par>
-                      </p:childTnLst>
-                    </p:cTn>
-                  </p:par>
-                </p:childTnLst>
-              </p:cTn>
-              <p:prevCondLst>
-                <p:cond evt="onPrev" delay="0">
-                  <p:tgtEl>
-                    <p:sldTgt/>
-                  </p:tgtEl>
-                </p:cond>
-              </p:prevCondLst>
-              <p:nextCondLst>
-                <p:cond evt="onNext" delay="0">
-                  <p:tgtEl>
-                    <p:sldTgt/>
-                  </p:tgtEl>
-                </p:cond>
-              </p:nextCondLst>
-            </p:seq>
-          </p:childTnLst>
-        </p:cTn>
-      </p:par>
-    </p:tnLst>
-    <p:bldLst>
-      <p:bldP spid="5" grpId="0" animBg="1"/>
-      <p:bldP spid="6" grpId="0" animBg="1"/>
-      <p:bldP spid="10" grpId="0" animBg="1"/>
-      <p:bldP spid="11" grpId="0" animBg="1"/>
-      <p:bldP spid="21" grpId="0"/>
-      <p:bldP spid="22" grpId="0" animBg="1"/>
-      <p:bldP spid="23" grpId="0"/>
-      <p:bldP spid="30" grpId="0"/>
-    </p:bldLst>
-  </p:timing>
 </p:sld>
 </file>
 
@@ -10142,7 +9430,7 @@
           <p:cNvPr id="2" name="Title 1">
             <a:extLst>
               <a:ext uri="{FF2B5EF4-FFF2-40B4-BE49-F238E27FC236}">
-                <a16:creationId xmlns:a16="http://schemas.microsoft.com/office/drawing/2014/main" id="{BBCB569E-668C-0497-42F8-40B09ACD06BB}"/>
+                <a16:creationId xmlns:a16="http://schemas.microsoft.com/office/drawing/2014/main" id="{A7E7E272-BDCE-57B3-134A-9C0EC5826A96}"/>
               </a:ext>
             </a:extLst>
           </p:cNvPr>
@@ -10153,27 +9441,86 @@
             <p:ph type="title"/>
           </p:nvPr>
         </p:nvSpPr>
-        <p:spPr/>
+        <p:spPr>
+          <a:xfrm>
+            <a:off x="3450940" y="2573594"/>
+            <a:ext cx="5290120" cy="855406"/>
+          </a:xfrm>
+        </p:spPr>
         <p:txBody>
           <a:bodyPr>
             <a:noAutofit/>
           </a:bodyPr>
           <a:lstStyle/>
           <a:p>
-            <a:pPr algn="ctr"/>
-            <a:r>
-              <a:rPr lang="en-US" sz="9600" dirty="0"/>
-              <a:t>Thank you</a:t>
-            </a:r>
+            <a:r>
+              <a:rPr lang="en-US" sz="6000" dirty="0"/>
+              <a:t>Spawn Enemy</a:t>
+            </a:r>
+          </a:p>
+        </p:txBody>
+      </p:sp>
+    </p:spTree>
+    <p:extLst>
+      <p:ext uri="{BB962C8B-B14F-4D97-AF65-F5344CB8AC3E}">
+        <p14:creationId xmlns:p14="http://schemas.microsoft.com/office/powerpoint/2010/main" val="2895434803"/>
+      </p:ext>
+    </p:extLst>
+  </p:cSld>
+  <p:clrMapOvr>
+    <a:masterClrMapping/>
+  </p:clrMapOvr>
+</p:sld>
+</file>
+
+<file path=ppt/slides/slide6.xml><?xml version="1.0" encoding="utf-8"?>
+<p:sld xmlns:a="http://schemas.openxmlformats.org/drawingml/2006/main" xmlns:r="http://schemas.openxmlformats.org/officeDocument/2006/relationships" xmlns:p="http://schemas.openxmlformats.org/presentationml/2006/main">
+  <p:cSld>
+    <p:spTree>
+      <p:nvGrpSpPr>
+        <p:cNvPr id="1" name=""/>
+        <p:cNvGrpSpPr/>
+        <p:nvPr/>
+      </p:nvGrpSpPr>
+      <p:grpSpPr>
+        <a:xfrm>
+          <a:off x="0" y="0"/>
+          <a:ext cx="0" cy="0"/>
+          <a:chOff x="0" y="0"/>
+          <a:chExt cx="0" cy="0"/>
+        </a:xfrm>
+      </p:grpSpPr>
+      <p:sp>
+        <p:nvSpPr>
+          <p:cNvPr id="2" name="Title 1">
+            <a:extLst>
+              <a:ext uri="{FF2B5EF4-FFF2-40B4-BE49-F238E27FC236}">
+                <a16:creationId xmlns:a16="http://schemas.microsoft.com/office/drawing/2014/main" id="{F6DB282B-59FB-FCB5-B812-F175956523C7}"/>
+              </a:ext>
+            </a:extLst>
+          </p:cNvPr>
+          <p:cNvSpPr>
+            <a:spLocks noGrp="1"/>
+          </p:cNvSpPr>
+          <p:nvPr>
+            <p:ph type="title"/>
+          </p:nvPr>
+        </p:nvSpPr>
+        <p:spPr/>
+        <p:txBody>
+          <a:bodyPr/>
+          <a:lstStyle/>
+          <a:p>
+            <a:endParaRPr lang="en-US"/>
           </a:p>
         </p:txBody>
       </p:sp>
       <p:pic>
         <p:nvPicPr>
-          <p:cNvPr id="7" name="Content Placeholder 6">
+          <p:cNvPr id="5" name="Content Placeholder 4" descr="A screen shot of a computer program&#10;&#10;AI-generated content may be incorrect.">
             <a:extLst>
               <a:ext uri="{FF2B5EF4-FFF2-40B4-BE49-F238E27FC236}">
-                <a16:creationId xmlns:a16="http://schemas.microsoft.com/office/drawing/2014/main" id="{E4332A7A-C83D-6939-0F2F-2DCCF3E04ECE}"/>
+                <a16:creationId xmlns:a16="http://schemas.microsoft.com/office/drawing/2014/main" id="{8DF36848-0577-BB58-8952-7012295843C4}"/>
               </a:ext>
             </a:extLst>
           </p:cNvPr>
@@ -10198,156 +9545,337 @@
         </p:blipFill>
         <p:spPr>
           <a:xfrm>
-            <a:off x="2940491" y="2063750"/>
-            <a:ext cx="5887155" cy="3311525"/>
+            <a:off x="2646940" y="0"/>
+            <a:ext cx="6898119" cy="6751352"/>
           </a:xfrm>
         </p:spPr>
       </p:pic>
     </p:spTree>
     <p:extLst>
       <p:ext uri="{BB962C8B-B14F-4D97-AF65-F5344CB8AC3E}">
-        <p14:creationId xmlns:p14="http://schemas.microsoft.com/office/powerpoint/2010/main" val="2185000735"/>
+        <p14:creationId xmlns:p14="http://schemas.microsoft.com/office/powerpoint/2010/main" val="201175870"/>
       </p:ext>
     </p:extLst>
   </p:cSld>
   <p:clrMapOvr>
     <a:masterClrMapping/>
   </p:clrMapOvr>
-  <p:timing>
-    <p:tnLst>
-      <p:par>
-        <p:cTn id="1" dur="indefinite" restart="never" nodeType="tmRoot">
-          <p:childTnLst>
-            <p:seq concurrent="1" nextAc="seek">
-              <p:cTn id="2" dur="indefinite" nodeType="mainSeq">
-                <p:childTnLst>
-                  <p:par>
-                    <p:cTn id="3" fill="hold">
-                      <p:stCondLst>
-                        <p:cond delay="indefinite"/>
-                        <p:cond evt="onBegin" delay="0">
-                          <p:tn val="2"/>
-                        </p:cond>
-                      </p:stCondLst>
-                      <p:childTnLst>
-                        <p:par>
-                          <p:cTn id="4" fill="hold">
-                            <p:stCondLst>
-                              <p:cond delay="0"/>
-                            </p:stCondLst>
-                            <p:childTnLst>
-                              <p:par>
-                                <p:cTn id="5" presetID="32" presetClass="emph" presetSubtype="0" fill="hold" nodeType="withEffect">
-                                  <p:stCondLst>
-                                    <p:cond delay="0"/>
-                                  </p:stCondLst>
-                                  <p:childTnLst>
-                                    <p:animRot by="120000">
-                                      <p:cBhvr>
-                                        <p:cTn id="6" dur="350" fill="hold">
-                                          <p:stCondLst>
-                                            <p:cond delay="0"/>
-                                          </p:stCondLst>
-                                        </p:cTn>
-                                        <p:tgtEl>
-                                          <p:spTgt spid="7"/>
-                                        </p:tgtEl>
-                                        <p:attrNameLst>
-                                          <p:attrName>r</p:attrName>
-                                        </p:attrNameLst>
-                                      </p:cBhvr>
-                                    </p:animRot>
-                                    <p:animRot by="-240000">
-                                      <p:cBhvr>
-                                        <p:cTn id="7" dur="700" fill="hold">
-                                          <p:stCondLst>
-                                            <p:cond delay="700"/>
-                                          </p:stCondLst>
-                                        </p:cTn>
-                                        <p:tgtEl>
-                                          <p:spTgt spid="7"/>
-                                        </p:tgtEl>
-                                        <p:attrNameLst>
-                                          <p:attrName>r</p:attrName>
-                                        </p:attrNameLst>
-                                      </p:cBhvr>
-                                    </p:animRot>
-                                    <p:animRot by="240000">
-                                      <p:cBhvr>
-                                        <p:cTn id="8" dur="700" fill="hold">
-                                          <p:stCondLst>
-                                            <p:cond delay="1400"/>
-                                          </p:stCondLst>
-                                        </p:cTn>
-                                        <p:tgtEl>
-                                          <p:spTgt spid="7"/>
-                                        </p:tgtEl>
-                                        <p:attrNameLst>
-                                          <p:attrName>r</p:attrName>
-                                        </p:attrNameLst>
-                                      </p:cBhvr>
-                                    </p:animRot>
-                                    <p:animRot by="-240000">
-                                      <p:cBhvr>
-                                        <p:cTn id="9" dur="700" fill="hold">
-                                          <p:stCondLst>
-                                            <p:cond delay="2100"/>
-                                          </p:stCondLst>
-                                        </p:cTn>
-                                        <p:tgtEl>
-                                          <p:spTgt spid="7"/>
-                                        </p:tgtEl>
-                                        <p:attrNameLst>
-                                          <p:attrName>r</p:attrName>
-                                        </p:attrNameLst>
-                                      </p:cBhvr>
-                                    </p:animRot>
-                                    <p:animRot by="120000">
-                                      <p:cBhvr>
-                                        <p:cTn id="10" dur="700" fill="hold">
-                                          <p:stCondLst>
-                                            <p:cond delay="2800"/>
-                                          </p:stCondLst>
-                                        </p:cTn>
-                                        <p:tgtEl>
-                                          <p:spTgt spid="7"/>
-                                        </p:tgtEl>
-                                        <p:attrNameLst>
-                                          <p:attrName>r</p:attrName>
-                                        </p:attrNameLst>
-                                      </p:cBhvr>
-                                    </p:animRot>
-                                  </p:childTnLst>
-                                </p:cTn>
-                              </p:par>
-                            </p:childTnLst>
-                          </p:cTn>
-                        </p:par>
-                      </p:childTnLst>
-                    </p:cTn>
-                  </p:par>
-                </p:childTnLst>
-              </p:cTn>
-              <p:prevCondLst>
-                <p:cond evt="onPrev" delay="0">
-                  <p:tgtEl>
-                    <p:sldTgt/>
-                  </p:tgtEl>
-                </p:cond>
-              </p:prevCondLst>
-              <p:nextCondLst>
-                <p:cond evt="onNext" delay="0">
-                  <p:tgtEl>
-                    <p:sldTgt/>
-                  </p:tgtEl>
-                </p:cond>
-              </p:nextCondLst>
-            </p:seq>
-          </p:childTnLst>
-        </p:cTn>
-      </p:par>
-    </p:tnLst>
-  </p:timing>
+</p:sld>
+</file>
+
+<file path=ppt/slides/slide7.xml><?xml version="1.0" encoding="utf-8"?>
+<p:sld xmlns:a="http://schemas.openxmlformats.org/drawingml/2006/main" xmlns:r="http://schemas.openxmlformats.org/officeDocument/2006/relationships" xmlns:p="http://schemas.openxmlformats.org/presentationml/2006/main">
+  <p:cSld>
+    <p:spTree>
+      <p:nvGrpSpPr>
+        <p:cNvPr id="1" name=""/>
+        <p:cNvGrpSpPr/>
+        <p:nvPr/>
+      </p:nvGrpSpPr>
+      <p:grpSpPr>
+        <a:xfrm>
+          <a:off x="0" y="0"/>
+          <a:ext cx="0" cy="0"/>
+          <a:chOff x="0" y="0"/>
+          <a:chExt cx="0" cy="0"/>
+        </a:xfrm>
+      </p:grpSpPr>
+      <p:sp>
+        <p:nvSpPr>
+          <p:cNvPr id="2" name="Title 1">
+            <a:extLst>
+              <a:ext uri="{FF2B5EF4-FFF2-40B4-BE49-F238E27FC236}">
+                <a16:creationId xmlns:a16="http://schemas.microsoft.com/office/drawing/2014/main" id="{879F6FF2-FB8F-BF11-AD61-1AE11D9AE1D7}"/>
+              </a:ext>
+            </a:extLst>
+          </p:cNvPr>
+          <p:cNvSpPr>
+            <a:spLocks noGrp="1"/>
+          </p:cNvSpPr>
+          <p:nvPr>
+            <p:ph type="title"/>
+          </p:nvPr>
+        </p:nvSpPr>
+        <p:spPr/>
+        <p:txBody>
+          <a:bodyPr/>
+          <a:lstStyle/>
+          <a:p>
+            <a:endParaRPr lang="en-US"/>
+          </a:p>
+        </p:txBody>
+      </p:sp>
+      <p:sp>
+        <p:nvSpPr>
+          <p:cNvPr id="3" name="Content Placeholder 2">
+            <a:extLst>
+              <a:ext uri="{FF2B5EF4-FFF2-40B4-BE49-F238E27FC236}">
+                <a16:creationId xmlns:a16="http://schemas.microsoft.com/office/drawing/2014/main" id="{C5B5B65B-F6FD-F5BA-9BA9-6002F7233FD1}"/>
+              </a:ext>
+            </a:extLst>
+          </p:cNvPr>
+          <p:cNvSpPr>
+            <a:spLocks noGrp="1"/>
+          </p:cNvSpPr>
+          <p:nvPr>
+            <p:ph idx="1"/>
+          </p:nvPr>
+        </p:nvSpPr>
+        <p:spPr/>
+        <p:txBody>
+          <a:bodyPr/>
+          <a:lstStyle/>
+          <a:p>
+            <a:endParaRPr lang="en-US" dirty="0"/>
+          </a:p>
+        </p:txBody>
+      </p:sp>
+      <p:sp>
+        <p:nvSpPr>
+          <p:cNvPr id="4" name="Title 1">
+            <a:extLst>
+              <a:ext uri="{FF2B5EF4-FFF2-40B4-BE49-F238E27FC236}">
+                <a16:creationId xmlns:a16="http://schemas.microsoft.com/office/drawing/2014/main" id="{13CE1E48-23C9-8910-14D2-4D32B425C317}"/>
+              </a:ext>
+            </a:extLst>
+          </p:cNvPr>
+          <p:cNvSpPr txBox="1">
+            <a:spLocks/>
+          </p:cNvSpPr>
+          <p:nvPr/>
+        </p:nvSpPr>
+        <p:spPr>
+          <a:xfrm>
+            <a:off x="4168695" y="2573594"/>
+            <a:ext cx="5290120" cy="855406"/>
+          </a:xfrm>
+          <a:prstGeom prst="rect">
+            <a:avLst/>
+          </a:prstGeom>
+        </p:spPr>
+        <p:txBody>
+          <a:bodyPr vert="horz" lIns="91440" tIns="45720" rIns="91440" bIns="45720" rtlCol="0" anchor="ctr">
+            <a:noAutofit/>
+          </a:bodyPr>
+          <a:lstStyle>
+            <a:lvl1pPr algn="l" defTabSz="914400" rtl="0" eaLnBrk="1" latinLnBrk="0" hangingPunct="1">
+              <a:lnSpc>
+                <a:spcPct val="90000"/>
+              </a:lnSpc>
+              <a:spcBef>
+                <a:spcPct val="0"/>
+              </a:spcBef>
+              <a:buNone/>
+              <a:defRPr sz="5400" kern="1200" cap="all" baseline="0">
+                <a:solidFill>
+                  <a:schemeClr val="accent1"/>
+                </a:solidFill>
+                <a:effectLst/>
+                <a:latin typeface="+mj-lt"/>
+                <a:ea typeface="+mj-ea"/>
+                <a:cs typeface="+mj-cs"/>
+              </a:defRPr>
+            </a:lvl1pPr>
+          </a:lstStyle>
+          <a:p>
+            <a:r>
+              <a:rPr lang="en-US" sz="6000" dirty="0" err="1"/>
+              <a:t>scollision</a:t>
+            </a:r>
+            <a:endParaRPr lang="en-US" sz="6000" dirty="0"/>
+          </a:p>
+        </p:txBody>
+      </p:sp>
+    </p:spTree>
+    <p:extLst>
+      <p:ext uri="{BB962C8B-B14F-4D97-AF65-F5344CB8AC3E}">
+        <p14:creationId xmlns:p14="http://schemas.microsoft.com/office/powerpoint/2010/main" val="739440593"/>
+      </p:ext>
+    </p:extLst>
+  </p:cSld>
+  <p:clrMapOvr>
+    <a:masterClrMapping/>
+  </p:clrMapOvr>
+</p:sld>
+</file>
+
+<file path=ppt/slides/slide8.xml><?xml version="1.0" encoding="utf-8"?>
+<p:sld xmlns:a="http://schemas.openxmlformats.org/drawingml/2006/main" xmlns:r="http://schemas.openxmlformats.org/officeDocument/2006/relationships" xmlns:p="http://schemas.openxmlformats.org/presentationml/2006/main">
+  <p:cSld>
+    <p:spTree>
+      <p:nvGrpSpPr>
+        <p:cNvPr id="1" name=""/>
+        <p:cNvGrpSpPr/>
+        <p:nvPr/>
+      </p:nvGrpSpPr>
+      <p:grpSpPr>
+        <a:xfrm>
+          <a:off x="0" y="0"/>
+          <a:ext cx="0" cy="0"/>
+          <a:chOff x="0" y="0"/>
+          <a:chExt cx="0" cy="0"/>
+        </a:xfrm>
+      </p:grpSpPr>
+      <p:sp>
+        <p:nvSpPr>
+          <p:cNvPr id="2" name="Title 1">
+            <a:extLst>
+              <a:ext uri="{FF2B5EF4-FFF2-40B4-BE49-F238E27FC236}">
+                <a16:creationId xmlns:a16="http://schemas.microsoft.com/office/drawing/2014/main" id="{FA2322B3-0421-B2ED-FB8F-530AFB8F79F3}"/>
+              </a:ext>
+            </a:extLst>
+          </p:cNvPr>
+          <p:cNvSpPr>
+            <a:spLocks noGrp="1"/>
+          </p:cNvSpPr>
+          <p:nvPr>
+            <p:ph type="title"/>
+          </p:nvPr>
+        </p:nvSpPr>
+        <p:spPr/>
+        <p:txBody>
+          <a:bodyPr/>
+          <a:lstStyle/>
+          <a:p>
+            <a:endParaRPr lang="en-US"/>
+          </a:p>
+        </p:txBody>
+      </p:sp>
+      <p:pic>
+        <p:nvPicPr>
+          <p:cNvPr id="5" name="Content Placeholder 4" descr="A computer screen shot of a computer code&#10;&#10;AI-generated content may be incorrect.">
+            <a:extLst>
+              <a:ext uri="{FF2B5EF4-FFF2-40B4-BE49-F238E27FC236}">
+                <a16:creationId xmlns:a16="http://schemas.microsoft.com/office/drawing/2014/main" id="{DA9E4D54-18BC-D2CB-BFB9-3A371EE0EADB}"/>
+              </a:ext>
+            </a:extLst>
+          </p:cNvPr>
+          <p:cNvPicPr>
+            <a:picLocks noGrp="1" noChangeAspect="1"/>
+          </p:cNvPicPr>
+          <p:nvPr>
+            <p:ph idx="1"/>
+          </p:nvPr>
+        </p:nvPicPr>
+        <p:blipFill>
+          <a:blip r:embed="rId2">
+            <a:extLst>
+              <a:ext uri="{28A0092B-C50C-407E-A947-70E740481C1C}">
+                <a14:useLocalDpi xmlns:a14="http://schemas.microsoft.com/office/drawing/2010/main" val="0"/>
+              </a:ext>
+            </a:extLst>
+          </a:blip>
+          <a:stretch>
+            <a:fillRect/>
+          </a:stretch>
+        </p:blipFill>
+        <p:spPr>
+          <a:xfrm>
+            <a:off x="963561" y="0"/>
+            <a:ext cx="10264878" cy="5604387"/>
+          </a:xfrm>
+        </p:spPr>
+      </p:pic>
+    </p:spTree>
+    <p:extLst>
+      <p:ext uri="{BB962C8B-B14F-4D97-AF65-F5344CB8AC3E}">
+        <p14:creationId xmlns:p14="http://schemas.microsoft.com/office/powerpoint/2010/main" val="1386698466"/>
+      </p:ext>
+    </p:extLst>
+  </p:cSld>
+  <p:clrMapOvr>
+    <a:masterClrMapping/>
+  </p:clrMapOvr>
+</p:sld>
+</file>
+
+<file path=ppt/slides/slide9.xml><?xml version="1.0" encoding="utf-8"?>
+<p:sld xmlns:a="http://schemas.openxmlformats.org/drawingml/2006/main" xmlns:r="http://schemas.openxmlformats.org/officeDocument/2006/relationships" xmlns:p="http://schemas.openxmlformats.org/presentationml/2006/main">
+  <p:cSld>
+    <p:spTree>
+      <p:nvGrpSpPr>
+        <p:cNvPr id="1" name=""/>
+        <p:cNvGrpSpPr/>
+        <p:nvPr/>
+      </p:nvGrpSpPr>
+      <p:grpSpPr>
+        <a:xfrm>
+          <a:off x="0" y="0"/>
+          <a:ext cx="0" cy="0"/>
+          <a:chOff x="0" y="0"/>
+          <a:chExt cx="0" cy="0"/>
+        </a:xfrm>
+      </p:grpSpPr>
+      <p:sp>
+        <p:nvSpPr>
+          <p:cNvPr id="2" name="Title 1">
+            <a:extLst>
+              <a:ext uri="{FF2B5EF4-FFF2-40B4-BE49-F238E27FC236}">
+                <a16:creationId xmlns:a16="http://schemas.microsoft.com/office/drawing/2014/main" id="{32A52BF9-4232-0E0A-9980-3A1DCB584AC0}"/>
+              </a:ext>
+            </a:extLst>
+          </p:cNvPr>
+          <p:cNvSpPr>
+            <a:spLocks noGrp="1"/>
+          </p:cNvSpPr>
+          <p:nvPr>
+            <p:ph type="title"/>
+          </p:nvPr>
+        </p:nvSpPr>
+        <p:spPr/>
+        <p:txBody>
+          <a:bodyPr/>
+          <a:lstStyle/>
+          <a:p>
+            <a:endParaRPr lang="en-US"/>
+          </a:p>
+        </p:txBody>
+      </p:sp>
+      <p:pic>
+        <p:nvPicPr>
+          <p:cNvPr id="5" name="Content Placeholder 4" descr="A computer screen shot of a program code&#10;&#10;AI-generated content may be incorrect.">
+            <a:extLst>
+              <a:ext uri="{FF2B5EF4-FFF2-40B4-BE49-F238E27FC236}">
+                <a16:creationId xmlns:a16="http://schemas.microsoft.com/office/drawing/2014/main" id="{A5159AA7-C51D-1F91-0CC8-93F427F39EAB}"/>
+              </a:ext>
+            </a:extLst>
+          </p:cNvPr>
+          <p:cNvPicPr>
+            <a:picLocks noGrp="1" noChangeAspect="1"/>
+          </p:cNvPicPr>
+          <p:nvPr>
+            <p:ph idx="1"/>
+          </p:nvPr>
+        </p:nvPicPr>
+        <p:blipFill>
+          <a:blip r:embed="rId2">
+            <a:extLst>
+              <a:ext uri="{28A0092B-C50C-407E-A947-70E740481C1C}">
+                <a14:useLocalDpi xmlns:a14="http://schemas.microsoft.com/office/drawing/2010/main" val="0"/>
+              </a:ext>
+            </a:extLst>
+          </a:blip>
+          <a:stretch>
+            <a:fillRect/>
+          </a:stretch>
+        </p:blipFill>
+        <p:spPr>
+          <a:xfrm>
+            <a:off x="756882" y="0"/>
+            <a:ext cx="10325801" cy="5602014"/>
+          </a:xfrm>
+        </p:spPr>
+      </p:pic>
+    </p:spTree>
+    <p:extLst>
+      <p:ext uri="{BB962C8B-B14F-4D97-AF65-F5344CB8AC3E}">
+        <p14:creationId xmlns:p14="http://schemas.microsoft.com/office/powerpoint/2010/main" val="557618645"/>
+      </p:ext>
+    </p:extLst>
+  </p:cSld>
+  <p:clrMapOvr>
+    <a:masterClrMapping/>
+  </p:clrMapOvr>
 </p:sld>
 </file>
 
